--- a/docs/Power BI & React.pptx
+++ b/docs/Power BI & React.pptx
@@ -15,6 +15,7 @@
     <p:sldId id="258" r:id="rId9"/>
     <p:sldId id="263" r:id="rId10"/>
     <p:sldId id="262" r:id="rId11"/>
+    <p:sldId id="264" r:id="rId12"/>
   </p:sldIdLst>
   <p:sldSz cx="12192000" cy="6858000"/>
   <p:notesSz cx="6858000" cy="9144000"/>
@@ -113,13 +114,18 @@
       </a:defRPr>
     </a:lvl9pPr>
   </p:defaultTextStyle>
+  <p:extLst>
+    <p:ext uri="{EFAFB233-063F-42B5-8137-9DF3F51BA10A}">
+      <p15:sldGuideLst xmlns:p15="http://schemas.microsoft.com/office/powerpoint/2012/main"/>
+    </p:ext>
+  </p:extLst>
 </p:presentation>
 </file>
 
 <file path=ppt/revisionInfo.xml><?xml version="1.0" encoding="utf-8"?>
 <p1510:revInfo xmlns:a="http://schemas.openxmlformats.org/drawingml/2006/main" xmlns:r="http://schemas.openxmlformats.org/officeDocument/2006/relationships" xmlns:p1510="http://schemas.microsoft.com/office/powerpoint/2015/10/main">
   <p1510:revLst>
-    <p1510:client id="{BF16961A-92D4-4DBA-A500-655616D3AED8}" v="44" dt="2022-08-24T16:47:45.994"/>
+    <p1510:client id="{BF16961A-92D4-4DBA-A500-655616D3AED8}" v="48" dt="2022-08-25T11:52:34.028"/>
   </p1510:revLst>
 </p1510:revInfo>
 </file>
@@ -129,7 +135,7 @@
   <pc:docChgLst>
     <pc:chgData name="Matt Nawrocki" userId="392c0c8a-4f6a-48e1-9e75-90752b97264c" providerId="ADAL" clId="{BF16961A-92D4-4DBA-A500-655616D3AED8}"/>
     <pc:docChg chg="undo redo custSel addSld delSld modSld sldOrd addMainMaster modMainMaster">
-      <pc:chgData name="Matt Nawrocki" userId="392c0c8a-4f6a-48e1-9e75-90752b97264c" providerId="ADAL" clId="{BF16961A-92D4-4DBA-A500-655616D3AED8}" dt="2022-08-24T16:47:42.984" v="3317" actId="27636"/>
+      <pc:chgData name="Matt Nawrocki" userId="392c0c8a-4f6a-48e1-9e75-90752b97264c" providerId="ADAL" clId="{BF16961A-92D4-4DBA-A500-655616D3AED8}" dt="2022-08-25T12:05:13.174" v="3921" actId="27636"/>
       <pc:docMkLst>
         <pc:docMk/>
       </pc:docMkLst>
@@ -157,7 +163,7 @@
         </pc:spChg>
       </pc:sldChg>
       <pc:sldChg chg="modSp new mod">
-        <pc:chgData name="Matt Nawrocki" userId="392c0c8a-4f6a-48e1-9e75-90752b97264c" providerId="ADAL" clId="{BF16961A-92D4-4DBA-A500-655616D3AED8}" dt="2022-08-24T16:42:25.896" v="3279"/>
+        <pc:chgData name="Matt Nawrocki" userId="392c0c8a-4f6a-48e1-9e75-90752b97264c" providerId="ADAL" clId="{BF16961A-92D4-4DBA-A500-655616D3AED8}" dt="2022-08-25T12:05:13.174" v="3921" actId="27636"/>
         <pc:sldMkLst>
           <pc:docMk/>
           <pc:sldMk cId="2781395865" sldId="257"/>
@@ -171,7 +177,7 @@
           </ac:spMkLst>
         </pc:spChg>
         <pc:spChg chg="mod">
-          <ac:chgData name="Matt Nawrocki" userId="392c0c8a-4f6a-48e1-9e75-90752b97264c" providerId="ADAL" clId="{BF16961A-92D4-4DBA-A500-655616D3AED8}" dt="2022-08-24T16:42:25.896" v="3279"/>
+          <ac:chgData name="Matt Nawrocki" userId="392c0c8a-4f6a-48e1-9e75-90752b97264c" providerId="ADAL" clId="{BF16961A-92D4-4DBA-A500-655616D3AED8}" dt="2022-08-25T12:05:13.174" v="3921" actId="27636"/>
           <ac:spMkLst>
             <pc:docMk/>
             <pc:sldMk cId="2781395865" sldId="257"/>
@@ -210,7 +216,7 @@
         </pc:sldMkLst>
       </pc:sldChg>
       <pc:sldChg chg="modSp add mod ord">
-        <pc:chgData name="Matt Nawrocki" userId="392c0c8a-4f6a-48e1-9e75-90752b97264c" providerId="ADAL" clId="{BF16961A-92D4-4DBA-A500-655616D3AED8}" dt="2022-08-24T16:47:42.984" v="3317" actId="27636"/>
+        <pc:chgData name="Matt Nawrocki" userId="392c0c8a-4f6a-48e1-9e75-90752b97264c" providerId="ADAL" clId="{BF16961A-92D4-4DBA-A500-655616D3AED8}" dt="2022-08-25T12:01:39.585" v="3791" actId="20577"/>
         <pc:sldMkLst>
           <pc:docMk/>
           <pc:sldMk cId="939552486" sldId="259"/>
@@ -224,7 +230,7 @@
           </ac:spMkLst>
         </pc:spChg>
         <pc:spChg chg="mod">
-          <ac:chgData name="Matt Nawrocki" userId="392c0c8a-4f6a-48e1-9e75-90752b97264c" providerId="ADAL" clId="{BF16961A-92D4-4DBA-A500-655616D3AED8}" dt="2022-08-24T16:47:42.984" v="3317" actId="27636"/>
+          <ac:chgData name="Matt Nawrocki" userId="392c0c8a-4f6a-48e1-9e75-90752b97264c" providerId="ADAL" clId="{BF16961A-92D4-4DBA-A500-655616D3AED8}" dt="2022-08-25T12:01:39.585" v="3791" actId="20577"/>
           <ac:spMkLst>
             <pc:docMk/>
             <pc:sldMk cId="939552486" sldId="259"/>
@@ -362,6 +368,77 @@
             <ac:spMk id="3" creationId="{1A488F42-31F7-7206-A483-A1114BCFD38E}"/>
           </ac:spMkLst>
         </pc:spChg>
+      </pc:sldChg>
+      <pc:sldChg chg="addSp delSp modSp add mod">
+        <pc:chgData name="Matt Nawrocki" userId="392c0c8a-4f6a-48e1-9e75-90752b97264c" providerId="ADAL" clId="{BF16961A-92D4-4DBA-A500-655616D3AED8}" dt="2022-08-25T12:01:04.202" v="3773" actId="20577"/>
+        <pc:sldMkLst>
+          <pc:docMk/>
+          <pc:sldMk cId="3495663469" sldId="264"/>
+        </pc:sldMkLst>
+        <pc:spChg chg="mod">
+          <ac:chgData name="Matt Nawrocki" userId="392c0c8a-4f6a-48e1-9e75-90752b97264c" providerId="ADAL" clId="{BF16961A-92D4-4DBA-A500-655616D3AED8}" dt="2022-08-25T11:58:26.819" v="3601" actId="14100"/>
+          <ac:spMkLst>
+            <pc:docMk/>
+            <pc:sldMk cId="3495663469" sldId="264"/>
+            <ac:spMk id="2" creationId="{46C6DFF0-50B1-923A-9B5B-4A035F000795}"/>
+          </ac:spMkLst>
+        </pc:spChg>
+        <pc:spChg chg="mod">
+          <ac:chgData name="Matt Nawrocki" userId="392c0c8a-4f6a-48e1-9e75-90752b97264c" providerId="ADAL" clId="{BF16961A-92D4-4DBA-A500-655616D3AED8}" dt="2022-08-25T11:58:15.169" v="3600" actId="20577"/>
+          <ac:spMkLst>
+            <pc:docMk/>
+            <pc:sldMk cId="3495663469" sldId="264"/>
+            <ac:spMk id="3" creationId="{C9A1412D-241B-EF84-EB8A-AE5C87CECB05}"/>
+          </ac:spMkLst>
+        </pc:spChg>
+        <pc:spChg chg="add mod">
+          <ac:chgData name="Matt Nawrocki" userId="392c0c8a-4f6a-48e1-9e75-90752b97264c" providerId="ADAL" clId="{BF16961A-92D4-4DBA-A500-655616D3AED8}" dt="2022-08-25T12:01:04.202" v="3773" actId="20577"/>
+          <ac:spMkLst>
+            <pc:docMk/>
+            <pc:sldMk cId="3495663469" sldId="264"/>
+            <ac:spMk id="4" creationId="{69BC9B33-E2FA-FDE9-C27F-533AD6D36F0B}"/>
+          </ac:spMkLst>
+        </pc:spChg>
+        <pc:picChg chg="del">
+          <ac:chgData name="Matt Nawrocki" userId="392c0c8a-4f6a-48e1-9e75-90752b97264c" providerId="ADAL" clId="{BF16961A-92D4-4DBA-A500-655616D3AED8}" dt="2022-08-25T11:52:42.430" v="3371" actId="478"/>
+          <ac:picMkLst>
+            <pc:docMk/>
+            <pc:sldMk cId="3495663469" sldId="264"/>
+            <ac:picMk id="5" creationId="{0D7B58C2-4537-EAE9-4917-5717EE0CF8BB}"/>
+          </ac:picMkLst>
+        </pc:picChg>
+        <pc:picChg chg="del">
+          <ac:chgData name="Matt Nawrocki" userId="392c0c8a-4f6a-48e1-9e75-90752b97264c" providerId="ADAL" clId="{BF16961A-92D4-4DBA-A500-655616D3AED8}" dt="2022-08-25T11:52:42.806" v="3372" actId="478"/>
+          <ac:picMkLst>
+            <pc:docMk/>
+            <pc:sldMk cId="3495663469" sldId="264"/>
+            <ac:picMk id="7" creationId="{F23E203F-BB4C-7E0A-219B-D73A00C2B7A4}"/>
+          </ac:picMkLst>
+        </pc:picChg>
+        <pc:picChg chg="add mod">
+          <ac:chgData name="Matt Nawrocki" userId="392c0c8a-4f6a-48e1-9e75-90752b97264c" providerId="ADAL" clId="{BF16961A-92D4-4DBA-A500-655616D3AED8}" dt="2022-08-25T11:56:06.324" v="3387" actId="14100"/>
+          <ac:picMkLst>
+            <pc:docMk/>
+            <pc:sldMk cId="3495663469" sldId="264"/>
+            <ac:picMk id="8" creationId="{ABFA6FAC-6989-1C9B-8817-76F5E83DDB15}"/>
+          </ac:picMkLst>
+        </pc:picChg>
+        <pc:picChg chg="del">
+          <ac:chgData name="Matt Nawrocki" userId="392c0c8a-4f6a-48e1-9e75-90752b97264c" providerId="ADAL" clId="{BF16961A-92D4-4DBA-A500-655616D3AED8}" dt="2022-08-25T11:52:41.925" v="3370" actId="478"/>
+          <ac:picMkLst>
+            <pc:docMk/>
+            <pc:sldMk cId="3495663469" sldId="264"/>
+            <ac:picMk id="9" creationId="{4F0D8078-1A26-5DF4-2B79-B3676DF3A739}"/>
+          </ac:picMkLst>
+        </pc:picChg>
+        <pc:picChg chg="add mod">
+          <ac:chgData name="Matt Nawrocki" userId="392c0c8a-4f6a-48e1-9e75-90752b97264c" providerId="ADAL" clId="{BF16961A-92D4-4DBA-A500-655616D3AED8}" dt="2022-08-25T11:56:13.502" v="3389" actId="1036"/>
+          <ac:picMkLst>
+            <pc:docMk/>
+            <pc:sldMk cId="3495663469" sldId="264"/>
+            <ac:picMk id="11" creationId="{15EA5DC1-0E35-EF4A-E096-5F82CBFEB086}"/>
+          </ac:picMkLst>
+        </pc:picChg>
       </pc:sldChg>
       <pc:sldMasterChg chg="new mod addSldLayout">
         <pc:chgData name="Matt Nawrocki" userId="392c0c8a-4f6a-48e1-9e75-90752b97264c" providerId="ADAL" clId="{BF16961A-92D4-4DBA-A500-655616D3AED8}" dt="2022-08-24T15:50:21.819" v="24" actId="6938"/>
@@ -705,7 +782,7 @@
           <a:p>
             <a:fld id="{6BEF24F8-DCE5-4765-BBA9-F3FEE939DF0F}" type="datetimeFigureOut">
               <a:rPr lang="en-US" smtClean="0"/>
-              <a:t>8/24/2022</a:t>
+              <a:t>8/25/2022</a:t>
             </a:fld>
             <a:endParaRPr lang="en-US"/>
           </a:p>
@@ -903,7 +980,7 @@
           <a:p>
             <a:fld id="{6BEF24F8-DCE5-4765-BBA9-F3FEE939DF0F}" type="datetimeFigureOut">
               <a:rPr lang="en-US" smtClean="0"/>
-              <a:t>8/24/2022</a:t>
+              <a:t>8/25/2022</a:t>
             </a:fld>
             <a:endParaRPr lang="en-US"/>
           </a:p>
@@ -1111,7 +1188,7 @@
           <a:p>
             <a:fld id="{6BEF24F8-DCE5-4765-BBA9-F3FEE939DF0F}" type="datetimeFigureOut">
               <a:rPr lang="en-US" smtClean="0"/>
-              <a:t>8/24/2022</a:t>
+              <a:t>8/25/2022</a:t>
             </a:fld>
             <a:endParaRPr lang="en-US"/>
           </a:p>
@@ -1331,7 +1408,7 @@
           <a:p>
             <a:fld id="{466A0676-4B2B-44A0-A1CE-D69624C51826}" type="datetimeFigureOut">
               <a:rPr lang="en-US" smtClean="0"/>
-              <a:t>8/24/2022</a:t>
+              <a:t>8/25/2022</a:t>
             </a:fld>
             <a:endParaRPr lang="en-US"/>
           </a:p>
@@ -1529,7 +1606,7 @@
           <a:p>
             <a:fld id="{466A0676-4B2B-44A0-A1CE-D69624C51826}" type="datetimeFigureOut">
               <a:rPr lang="en-US" smtClean="0"/>
-              <a:t>8/24/2022</a:t>
+              <a:t>8/25/2022</a:t>
             </a:fld>
             <a:endParaRPr lang="en-US"/>
           </a:p>
@@ -1804,7 +1881,7 @@
           <a:p>
             <a:fld id="{466A0676-4B2B-44A0-A1CE-D69624C51826}" type="datetimeFigureOut">
               <a:rPr lang="en-US" smtClean="0"/>
-              <a:t>8/24/2022</a:t>
+              <a:t>8/25/2022</a:t>
             </a:fld>
             <a:endParaRPr lang="en-US"/>
           </a:p>
@@ -2069,7 +2146,7 @@
           <a:p>
             <a:fld id="{466A0676-4B2B-44A0-A1CE-D69624C51826}" type="datetimeFigureOut">
               <a:rPr lang="en-US" smtClean="0"/>
-              <a:t>8/24/2022</a:t>
+              <a:t>8/25/2022</a:t>
             </a:fld>
             <a:endParaRPr lang="en-US"/>
           </a:p>
@@ -2481,7 +2558,7 @@
           <a:p>
             <a:fld id="{466A0676-4B2B-44A0-A1CE-D69624C51826}" type="datetimeFigureOut">
               <a:rPr lang="en-US" smtClean="0"/>
-              <a:t>8/24/2022</a:t>
+              <a:t>8/25/2022</a:t>
             </a:fld>
             <a:endParaRPr lang="en-US"/>
           </a:p>
@@ -2622,7 +2699,7 @@
           <a:p>
             <a:fld id="{466A0676-4B2B-44A0-A1CE-D69624C51826}" type="datetimeFigureOut">
               <a:rPr lang="en-US" smtClean="0"/>
-              <a:t>8/24/2022</a:t>
+              <a:t>8/25/2022</a:t>
             </a:fld>
             <a:endParaRPr lang="en-US"/>
           </a:p>
@@ -2735,7 +2812,7 @@
           <a:p>
             <a:fld id="{466A0676-4B2B-44A0-A1CE-D69624C51826}" type="datetimeFigureOut">
               <a:rPr lang="en-US" smtClean="0"/>
-              <a:t>8/24/2022</a:t>
+              <a:t>8/25/2022</a:t>
             </a:fld>
             <a:endParaRPr lang="en-US"/>
           </a:p>
@@ -3046,7 +3123,7 @@
           <a:p>
             <a:fld id="{466A0676-4B2B-44A0-A1CE-D69624C51826}" type="datetimeFigureOut">
               <a:rPr lang="en-US" smtClean="0"/>
-              <a:t>8/24/2022</a:t>
+              <a:t>8/25/2022</a:t>
             </a:fld>
             <a:endParaRPr lang="en-US"/>
           </a:p>
@@ -3244,7 +3321,7 @@
           <a:p>
             <a:fld id="{6BEF24F8-DCE5-4765-BBA9-F3FEE939DF0F}" type="datetimeFigureOut">
               <a:rPr lang="en-US" smtClean="0"/>
-              <a:t>8/24/2022</a:t>
+              <a:t>8/25/2022</a:t>
             </a:fld>
             <a:endParaRPr lang="en-US"/>
           </a:p>
@@ -3532,7 +3609,7 @@
           <a:p>
             <a:fld id="{466A0676-4B2B-44A0-A1CE-D69624C51826}" type="datetimeFigureOut">
               <a:rPr lang="en-US" smtClean="0"/>
-              <a:t>8/24/2022</a:t>
+              <a:t>8/25/2022</a:t>
             </a:fld>
             <a:endParaRPr lang="en-US"/>
           </a:p>
@@ -3730,7 +3807,7 @@
           <a:p>
             <a:fld id="{466A0676-4B2B-44A0-A1CE-D69624C51826}" type="datetimeFigureOut">
               <a:rPr lang="en-US" smtClean="0"/>
-              <a:t>8/24/2022</a:t>
+              <a:t>8/25/2022</a:t>
             </a:fld>
             <a:endParaRPr lang="en-US"/>
           </a:p>
@@ -3938,7 +4015,7 @@
           <a:p>
             <a:fld id="{466A0676-4B2B-44A0-A1CE-D69624C51826}" type="datetimeFigureOut">
               <a:rPr lang="en-US" smtClean="0"/>
-              <a:t>8/24/2022</a:t>
+              <a:t>8/25/2022</a:t>
             </a:fld>
             <a:endParaRPr lang="en-US"/>
           </a:p>
@@ -4182,7 +4259,7 @@
           <a:p>
             <a:fld id="{466A0676-4B2B-44A0-A1CE-D69624C51826}" type="datetimeFigureOut">
               <a:rPr lang="en-US" smtClean="0"/>
-              <a:t>8/24/2022</a:t>
+              <a:t>8/25/2022</a:t>
             </a:fld>
             <a:endParaRPr lang="en-US"/>
           </a:p>
@@ -4387,7 +4464,7 @@
           <a:p>
             <a:fld id="{466A0676-4B2B-44A0-A1CE-D69624C51826}" type="datetimeFigureOut">
               <a:rPr lang="en-US" smtClean="0"/>
-              <a:t>8/24/2022</a:t>
+              <a:t>8/25/2022</a:t>
             </a:fld>
             <a:endParaRPr lang="en-US"/>
           </a:p>
@@ -4667,7 +4744,7 @@
           <a:p>
             <a:fld id="{466A0676-4B2B-44A0-A1CE-D69624C51826}" type="datetimeFigureOut">
               <a:rPr lang="en-US" smtClean="0"/>
-              <a:t>8/24/2022</a:t>
+              <a:t>8/25/2022</a:t>
             </a:fld>
             <a:endParaRPr lang="en-US"/>
           </a:p>
@@ -4934,7 +5011,7 @@
           <a:p>
             <a:fld id="{466A0676-4B2B-44A0-A1CE-D69624C51826}" type="datetimeFigureOut">
               <a:rPr lang="en-US" smtClean="0"/>
-              <a:t>8/24/2022</a:t>
+              <a:t>8/25/2022</a:t>
             </a:fld>
             <a:endParaRPr lang="en-US"/>
           </a:p>
@@ -5349,7 +5426,7 @@
           <a:p>
             <a:fld id="{466A0676-4B2B-44A0-A1CE-D69624C51826}" type="datetimeFigureOut">
               <a:rPr lang="en-US" smtClean="0"/>
-              <a:t>8/24/2022</a:t>
+              <a:t>8/25/2022</a:t>
             </a:fld>
             <a:endParaRPr lang="en-US"/>
           </a:p>
@@ -5497,7 +5574,7 @@
           <a:p>
             <a:fld id="{466A0676-4B2B-44A0-A1CE-D69624C51826}" type="datetimeFigureOut">
               <a:rPr lang="en-US" smtClean="0"/>
-              <a:t>8/24/2022</a:t>
+              <a:t>8/25/2022</a:t>
             </a:fld>
             <a:endParaRPr lang="en-US"/>
           </a:p>
@@ -5622,7 +5699,7 @@
           <a:p>
             <a:fld id="{466A0676-4B2B-44A0-A1CE-D69624C51826}" type="datetimeFigureOut">
               <a:rPr lang="en-US" smtClean="0"/>
-              <a:t>8/24/2022</a:t>
+              <a:t>8/25/2022</a:t>
             </a:fld>
             <a:endParaRPr lang="en-US"/>
           </a:p>
@@ -5885,7 +5962,7 @@
           <a:p>
             <a:fld id="{6BEF24F8-DCE5-4765-BBA9-F3FEE939DF0F}" type="datetimeFigureOut">
               <a:rPr lang="en-US" smtClean="0"/>
-              <a:t>8/24/2022</a:t>
+              <a:t>8/25/2022</a:t>
             </a:fld>
             <a:endParaRPr lang="en-US"/>
           </a:p>
@@ -6176,7 +6253,7 @@
           <a:p>
             <a:fld id="{466A0676-4B2B-44A0-A1CE-D69624C51826}" type="datetimeFigureOut">
               <a:rPr lang="en-US" smtClean="0"/>
-              <a:t>8/24/2022</a:t>
+              <a:t>8/25/2022</a:t>
             </a:fld>
             <a:endParaRPr lang="en-US"/>
           </a:p>
@@ -6488,7 +6565,7 @@
           <a:p>
             <a:fld id="{466A0676-4B2B-44A0-A1CE-D69624C51826}" type="datetimeFigureOut">
               <a:rPr lang="en-US" smtClean="0"/>
-              <a:t>8/24/2022</a:t>
+              <a:t>8/25/2022</a:t>
             </a:fld>
             <a:endParaRPr lang="en-US"/>
           </a:p>
@@ -6800,7 +6877,7 @@
           <a:p>
             <a:fld id="{466A0676-4B2B-44A0-A1CE-D69624C51826}" type="datetimeFigureOut">
               <a:rPr lang="en-US" smtClean="0"/>
-              <a:t>8/24/2022</a:t>
+              <a:t>8/25/2022</a:t>
             </a:fld>
             <a:endParaRPr lang="en-US"/>
           </a:p>
@@ -7022,7 +7099,7 @@
           <a:p>
             <a:fld id="{466A0676-4B2B-44A0-A1CE-D69624C51826}" type="datetimeFigureOut">
               <a:rPr lang="en-US" smtClean="0"/>
-              <a:t>8/24/2022</a:t>
+              <a:t>8/25/2022</a:t>
             </a:fld>
             <a:endParaRPr lang="en-US"/>
           </a:p>
@@ -7313,7 +7390,7 @@
           <a:p>
             <a:fld id="{466A0676-4B2B-44A0-A1CE-D69624C51826}" type="datetimeFigureOut">
               <a:rPr lang="en-US" smtClean="0"/>
-              <a:t>8/24/2022</a:t>
+              <a:t>8/25/2022</a:t>
             </a:fld>
             <a:endParaRPr lang="en-US"/>
           </a:p>
@@ -7767,7 +7844,7 @@
           <a:p>
             <a:fld id="{466A0676-4B2B-44A0-A1CE-D69624C51826}" type="datetimeFigureOut">
               <a:rPr lang="en-US" smtClean="0"/>
-              <a:t>8/24/2022</a:t>
+              <a:t>8/25/2022</a:t>
             </a:fld>
             <a:endParaRPr lang="en-US"/>
           </a:p>
@@ -8343,7 +8420,7 @@
           <a:p>
             <a:fld id="{466A0676-4B2B-44A0-A1CE-D69624C51826}" type="datetimeFigureOut">
               <a:rPr lang="en-US" smtClean="0"/>
-              <a:t>8/24/2022</a:t>
+              <a:t>8/25/2022</a:t>
             </a:fld>
             <a:endParaRPr lang="en-US"/>
           </a:p>
@@ -9195,7 +9272,7 @@
           <a:p>
             <a:fld id="{466A0676-4B2B-44A0-A1CE-D69624C51826}" type="datetimeFigureOut">
               <a:rPr lang="en-US" smtClean="0"/>
-              <a:t>8/24/2022</a:t>
+              <a:t>8/25/2022</a:t>
             </a:fld>
             <a:endParaRPr lang="en-US"/>
           </a:p>
@@ -9400,7 +9477,7 @@
           <a:p>
             <a:fld id="{466A0676-4B2B-44A0-A1CE-D69624C51826}" type="datetimeFigureOut">
               <a:rPr lang="en-US" smtClean="0"/>
-              <a:t>8/24/2022</a:t>
+              <a:t>8/25/2022</a:t>
             </a:fld>
             <a:endParaRPr lang="en-US"/>
           </a:p>
@@ -9614,7 +9691,7 @@
           <a:p>
             <a:fld id="{466A0676-4B2B-44A0-A1CE-D69624C51826}" type="datetimeFigureOut">
               <a:rPr lang="en-US" smtClean="0"/>
-              <a:t>8/24/2022</a:t>
+              <a:t>8/25/2022</a:t>
             </a:fld>
             <a:endParaRPr lang="en-US"/>
           </a:p>
@@ -9867,7 +9944,7 @@
           <a:p>
             <a:fld id="{6BEF24F8-DCE5-4765-BBA9-F3FEE939DF0F}" type="datetimeFigureOut">
               <a:rPr lang="en-US" smtClean="0"/>
-              <a:t>8/24/2022</a:t>
+              <a:t>8/25/2022</a:t>
             </a:fld>
             <a:endParaRPr lang="en-US"/>
           </a:p>
@@ -10110,7 +10187,7 @@
           <a:p>
             <a:fld id="{6BEF24F8-DCE5-4765-BBA9-F3FEE939DF0F}" type="datetimeFigureOut">
               <a:rPr lang="en-US" smtClean="0"/>
-              <a:t>8/24/2022</a:t>
+              <a:t>8/25/2022</a:t>
             </a:fld>
             <a:endParaRPr lang="en-US"/>
           </a:p>
@@ -10290,7 +10367,7 @@
           <a:p>
             <a:fld id="{6BEF24F8-DCE5-4765-BBA9-F3FEE939DF0F}" type="datetimeFigureOut">
               <a:rPr lang="en-US" smtClean="0"/>
-              <a:t>8/24/2022</a:t>
+              <a:t>8/25/2022</a:t>
             </a:fld>
             <a:endParaRPr lang="en-US"/>
           </a:p>
@@ -10579,7 +10656,7 @@
           <a:p>
             <a:fld id="{6BEF24F8-DCE5-4765-BBA9-F3FEE939DF0F}" type="datetimeFigureOut">
               <a:rPr lang="en-US" smtClean="0"/>
-              <a:t>8/24/2022</a:t>
+              <a:t>8/25/2022</a:t>
             </a:fld>
             <a:endParaRPr lang="en-US"/>
           </a:p>
@@ -10821,7 +10898,7 @@
           <a:p>
             <a:fld id="{6BEF24F8-DCE5-4765-BBA9-F3FEE939DF0F}" type="datetimeFigureOut">
               <a:rPr lang="en-US" smtClean="0"/>
-              <a:t>8/24/2022</a:t>
+              <a:t>8/25/2022</a:t>
             </a:fld>
             <a:endParaRPr lang="en-US"/>
           </a:p>
@@ -11200,7 +11277,7 @@
           <a:p>
             <a:fld id="{6BEF24F8-DCE5-4765-BBA9-F3FEE939DF0F}" type="datetimeFigureOut">
               <a:rPr lang="en-US" smtClean="0"/>
-              <a:t>8/24/2022</a:t>
+              <a:t>8/25/2022</a:t>
             </a:fld>
             <a:endParaRPr lang="en-US"/>
           </a:p>
@@ -11318,7 +11395,7 @@
           <a:p>
             <a:fld id="{6BEF24F8-DCE5-4765-BBA9-F3FEE939DF0F}" type="datetimeFigureOut">
               <a:rPr lang="en-US" smtClean="0"/>
-              <a:t>8/24/2022</a:t>
+              <a:t>8/25/2022</a:t>
             </a:fld>
             <a:endParaRPr lang="en-US"/>
           </a:p>
@@ -11413,7 +11490,7 @@
           <a:p>
             <a:fld id="{6BEF24F8-DCE5-4765-BBA9-F3FEE939DF0F}" type="datetimeFigureOut">
               <a:rPr lang="en-US" smtClean="0"/>
-              <a:t>8/24/2022</a:t>
+              <a:t>8/25/2022</a:t>
             </a:fld>
             <a:endParaRPr lang="en-US"/>
           </a:p>
@@ -11662,7 +11739,7 @@
           <a:p>
             <a:fld id="{6BEF24F8-DCE5-4765-BBA9-F3FEE939DF0F}" type="datetimeFigureOut">
               <a:rPr lang="en-US" smtClean="0"/>
-              <a:t>8/24/2022</a:t>
+              <a:t>8/25/2022</a:t>
             </a:fld>
             <a:endParaRPr lang="en-US"/>
           </a:p>
@@ -11919,7 +11996,7 @@
           <a:p>
             <a:fld id="{6BEF24F8-DCE5-4765-BBA9-F3FEE939DF0F}" type="datetimeFigureOut">
               <a:rPr lang="en-US" smtClean="0"/>
-              <a:t>8/24/2022</a:t>
+              <a:t>8/25/2022</a:t>
             </a:fld>
             <a:endParaRPr lang="en-US"/>
           </a:p>
@@ -12176,7 +12253,7 @@
           <a:p>
             <a:fld id="{6BEF24F8-DCE5-4765-BBA9-F3FEE939DF0F}" type="datetimeFigureOut">
               <a:rPr lang="en-US" smtClean="0"/>
-              <a:t>8/24/2022</a:t>
+              <a:t>8/25/2022</a:t>
             </a:fld>
             <a:endParaRPr lang="en-US"/>
           </a:p>
@@ -12576,7 +12653,7 @@
           <a:p>
             <a:fld id="{6BEF24F8-DCE5-4765-BBA9-F3FEE939DF0F}" type="datetimeFigureOut">
               <a:rPr lang="en-US" smtClean="0"/>
-              <a:t>8/24/2022</a:t>
+              <a:t>8/25/2022</a:t>
             </a:fld>
             <a:endParaRPr lang="en-US"/>
           </a:p>
@@ -12819,7 +12896,7 @@
           <a:p>
             <a:fld id="{6BEF24F8-DCE5-4765-BBA9-F3FEE939DF0F}" type="datetimeFigureOut">
               <a:rPr lang="en-US" smtClean="0"/>
-              <a:t>8/24/2022</a:t>
+              <a:t>8/25/2022</a:t>
             </a:fld>
             <a:endParaRPr lang="en-US"/>
           </a:p>
@@ -13129,7 +13206,7 @@
           <a:p>
             <a:fld id="{6BEF24F8-DCE5-4765-BBA9-F3FEE939DF0F}" type="datetimeFigureOut">
               <a:rPr lang="en-US" smtClean="0"/>
-              <a:t>8/24/2022</a:t>
+              <a:t>8/25/2022</a:t>
             </a:fld>
             <a:endParaRPr lang="en-US"/>
           </a:p>
@@ -13602,7 +13679,7 @@
           <a:p>
             <a:fld id="{6BEF24F8-DCE5-4765-BBA9-F3FEE939DF0F}" type="datetimeFigureOut">
               <a:rPr lang="en-US" smtClean="0"/>
-              <a:t>8/24/2022</a:t>
+              <a:t>8/25/2022</a:t>
             </a:fld>
             <a:endParaRPr lang="en-US"/>
           </a:p>
@@ -14149,7 +14226,7 @@
           <a:p>
             <a:fld id="{6BEF24F8-DCE5-4765-BBA9-F3FEE939DF0F}" type="datetimeFigureOut">
               <a:rPr lang="en-US" smtClean="0"/>
-              <a:t>8/24/2022</a:t>
+              <a:t>8/25/2022</a:t>
             </a:fld>
             <a:endParaRPr lang="en-US"/>
           </a:p>
@@ -14923,7 +15000,7 @@
           <a:p>
             <a:fld id="{6BEF24F8-DCE5-4765-BBA9-F3FEE939DF0F}" type="datetimeFigureOut">
               <a:rPr lang="en-US" smtClean="0"/>
-              <a:t>8/24/2022</a:t>
+              <a:t>8/25/2022</a:t>
             </a:fld>
             <a:endParaRPr lang="en-US"/>
           </a:p>
@@ -15098,7 +15175,7 @@
           <a:p>
             <a:fld id="{6BEF24F8-DCE5-4765-BBA9-F3FEE939DF0F}" type="datetimeFigureOut">
               <a:rPr lang="en-US" smtClean="0"/>
-              <a:t>8/24/2022</a:t>
+              <a:t>8/25/2022</a:t>
             </a:fld>
             <a:endParaRPr lang="en-US"/>
           </a:p>
@@ -15321,7 +15398,7 @@
           <a:p>
             <a:fld id="{6BEF24F8-DCE5-4765-BBA9-F3FEE939DF0F}" type="datetimeFigureOut">
               <a:rPr lang="en-US" smtClean="0"/>
-              <a:t>8/24/2022</a:t>
+              <a:t>8/25/2022</a:t>
             </a:fld>
             <a:endParaRPr lang="en-US"/>
           </a:p>
@@ -15460,7 +15537,7 @@
           <a:p>
             <a:fld id="{6BEF24F8-DCE5-4765-BBA9-F3FEE939DF0F}" type="datetimeFigureOut">
               <a:rPr lang="en-US" smtClean="0"/>
-              <a:t>8/24/2022</a:t>
+              <a:t>8/25/2022</a:t>
             </a:fld>
             <a:endParaRPr lang="en-US"/>
           </a:p>
@@ -15573,7 +15650,7 @@
           <a:p>
             <a:fld id="{6BEF24F8-DCE5-4765-BBA9-F3FEE939DF0F}" type="datetimeFigureOut">
               <a:rPr lang="en-US" smtClean="0"/>
-              <a:t>8/24/2022</a:t>
+              <a:t>8/25/2022</a:t>
             </a:fld>
             <a:endParaRPr lang="en-US"/>
           </a:p>
@@ -15884,7 +15961,7 @@
           <a:p>
             <a:fld id="{6BEF24F8-DCE5-4765-BBA9-F3FEE939DF0F}" type="datetimeFigureOut">
               <a:rPr lang="en-US" smtClean="0"/>
-              <a:t>8/24/2022</a:t>
+              <a:t>8/25/2022</a:t>
             </a:fld>
             <a:endParaRPr lang="en-US"/>
           </a:p>
@@ -16172,7 +16249,7 @@
           <a:p>
             <a:fld id="{6BEF24F8-DCE5-4765-BBA9-F3FEE939DF0F}" type="datetimeFigureOut">
               <a:rPr lang="en-US" smtClean="0"/>
-              <a:t>8/24/2022</a:t>
+              <a:t>8/25/2022</a:t>
             </a:fld>
             <a:endParaRPr lang="en-US"/>
           </a:p>
@@ -16413,7 +16490,7 @@
           <a:p>
             <a:fld id="{6BEF24F8-DCE5-4765-BBA9-F3FEE939DF0F}" type="datetimeFigureOut">
               <a:rPr lang="en-US" smtClean="0"/>
-              <a:t>8/24/2022</a:t>
+              <a:t>8/25/2022</a:t>
             </a:fld>
             <a:endParaRPr lang="en-US"/>
           </a:p>
@@ -16981,7 +17058,7 @@
           <a:p>
             <a:fld id="{466A0676-4B2B-44A0-A1CE-D69624C51826}" type="datetimeFigureOut">
               <a:rPr lang="en-US" smtClean="0"/>
-              <a:t>8/24/2022</a:t>
+              <a:t>8/25/2022</a:t>
             </a:fld>
             <a:endParaRPr lang="en-US"/>
           </a:p>
@@ -17573,7 +17650,7 @@
           <a:p>
             <a:fld id="{6BEF24F8-DCE5-4765-BBA9-F3FEE939DF0F}" type="datetimeFigureOut">
               <a:rPr lang="en-US" smtClean="0"/>
-              <a:t>8/24/2022</a:t>
+              <a:t>8/25/2022</a:t>
             </a:fld>
             <a:endParaRPr lang="en-US"/>
           </a:p>
@@ -18182,7 +18259,7 @@
           <a:p>
             <a:fld id="{6BEF24F8-DCE5-4765-BBA9-F3FEE939DF0F}" type="datetimeFigureOut">
               <a:rPr lang="en-US" smtClean="0"/>
-              <a:t>8/24/2022</a:t>
+              <a:t>8/25/2022</a:t>
             </a:fld>
             <a:endParaRPr lang="en-US"/>
           </a:p>
@@ -18765,7 +18842,7 @@
         <p:spPr/>
         <p:txBody>
           <a:bodyPr>
-            <a:normAutofit/>
+            <a:normAutofit fontScale="92500" lnSpcReduction="10000"/>
           </a:bodyPr>
           <a:lstStyle/>
           <a:p>
@@ -18863,6 +18940,15 @@
               <a:latin typeface="Slalom Sans Thin" panose="00000200000000000000" pitchFamily="50" charset="0"/>
               <a:ea typeface="Slalom Sans Thin" panose="00000200000000000000" pitchFamily="50" charset="0"/>
             </a:endParaRPr>
+          </a:p>
+          <a:p>
+            <a:r>
+              <a:rPr lang="en-US" b="1" dirty="0">
+                <a:latin typeface="Slalom Sans Thin" panose="00000200000000000000" pitchFamily="50" charset="0"/>
+                <a:ea typeface="Slalom Sans Thin" panose="00000200000000000000" pitchFamily="50" charset="0"/>
+              </a:rPr>
+              <a:t>Complementary Libraries &amp; Software</a:t>
+            </a:r>
           </a:p>
           <a:p>
             <a:r>
@@ -19046,7 +19132,7 @@
                 <a:latin typeface="Slalom Sans Thin" panose="00000200000000000000" pitchFamily="50" charset="0"/>
                 <a:ea typeface="Slalom Sans Thin" panose="00000200000000000000" pitchFamily="50" charset="0"/>
               </a:rPr>
-              <a:t>HTML is old, slow, and clunky and React—through some extremely clever engineering—virtualizes actions and intelligently decides how to act</a:t>
+              <a:t>HTML is old, slow, and clunky and React—through some extremely clever engineering—”virtualizes” components and intelligently decides how to act</a:t>
             </a:r>
           </a:p>
           <a:p>
@@ -20189,6 +20275,443 @@
     <p:extLst>
       <p:ext uri="{BB962C8B-B14F-4D97-AF65-F5344CB8AC3E}">
         <p14:creationId xmlns:p14="http://schemas.microsoft.com/office/powerpoint/2010/main" val="2244176599"/>
+      </p:ext>
+    </p:extLst>
+  </p:cSld>
+  <p:clrMapOvr>
+    <a:masterClrMapping/>
+  </p:clrMapOvr>
+</p:sld>
+</file>
+
+<file path=ppt/slides/slide8.xml><?xml version="1.0" encoding="utf-8"?>
+<p:sld xmlns:a="http://schemas.openxmlformats.org/drawingml/2006/main" xmlns:r="http://schemas.openxmlformats.org/officeDocument/2006/relationships" xmlns:p="http://schemas.openxmlformats.org/presentationml/2006/main">
+  <p:cSld>
+    <p:spTree>
+      <p:nvGrpSpPr>
+        <p:cNvPr id="1" name=""/>
+        <p:cNvGrpSpPr/>
+        <p:nvPr/>
+      </p:nvGrpSpPr>
+      <p:grpSpPr>
+        <a:xfrm>
+          <a:off x="0" y="0"/>
+          <a:ext cx="0" cy="0"/>
+          <a:chOff x="0" y="0"/>
+          <a:chExt cx="0" cy="0"/>
+        </a:xfrm>
+      </p:grpSpPr>
+      <p:sp>
+        <p:nvSpPr>
+          <p:cNvPr id="2" name="Title 1">
+            <a:extLst>
+              <a:ext uri="{FF2B5EF4-FFF2-40B4-BE49-F238E27FC236}">
+                <a16:creationId xmlns:a16="http://schemas.microsoft.com/office/drawing/2014/main" id="{46C6DFF0-50B1-923A-9B5B-4A035F000795}"/>
+              </a:ext>
+            </a:extLst>
+          </p:cNvPr>
+          <p:cNvSpPr>
+            <a:spLocks noGrp="1"/>
+          </p:cNvSpPr>
+          <p:nvPr>
+            <p:ph type="title"/>
+          </p:nvPr>
+        </p:nvSpPr>
+        <p:spPr>
+          <a:xfrm>
+            <a:off x="2895600" y="764373"/>
+            <a:ext cx="8610600" cy="1087182"/>
+          </a:xfrm>
+        </p:spPr>
+        <p:txBody>
+          <a:bodyPr/>
+          <a:lstStyle/>
+          <a:p>
+            <a:r>
+              <a:rPr lang="en-US" b="1" dirty="0">
+                <a:latin typeface="Slalom Sans Thin" panose="00000200000000000000" pitchFamily="50" charset="0"/>
+                <a:ea typeface="Slalom Sans Thin" panose="00000200000000000000" pitchFamily="50" charset="0"/>
+              </a:rPr>
+              <a:t>Creative &amp; Support Tools</a:t>
+            </a:r>
+          </a:p>
+        </p:txBody>
+      </p:sp>
+      <p:sp>
+        <p:nvSpPr>
+          <p:cNvPr id="3" name="Content Placeholder 2">
+            <a:extLst>
+              <a:ext uri="{FF2B5EF4-FFF2-40B4-BE49-F238E27FC236}">
+                <a16:creationId xmlns:a16="http://schemas.microsoft.com/office/drawing/2014/main" id="{C9A1412D-241B-EF84-EB8A-AE5C87CECB05}"/>
+              </a:ext>
+            </a:extLst>
+          </p:cNvPr>
+          <p:cNvSpPr>
+            <a:spLocks noGrp="1"/>
+          </p:cNvSpPr>
+          <p:nvPr>
+            <p:ph idx="1"/>
+          </p:nvPr>
+        </p:nvSpPr>
+        <p:spPr>
+          <a:xfrm>
+            <a:off x="369776" y="1955800"/>
+            <a:ext cx="5639139" cy="639233"/>
+          </a:xfrm>
+        </p:spPr>
+        <p:txBody>
+          <a:bodyPr>
+            <a:normAutofit/>
+          </a:bodyPr>
+          <a:lstStyle/>
+          <a:p>
+            <a:pPr marL="0" marR="0" lvl="0" indent="0" algn="ctr">
+              <a:lnSpc>
+                <a:spcPct val="107000"/>
+              </a:lnSpc>
+              <a:spcBef>
+                <a:spcPts val="0"/>
+              </a:spcBef>
+              <a:spcAft>
+                <a:spcPts val="0"/>
+              </a:spcAft>
+              <a:buNone/>
+            </a:pPr>
+            <a:r>
+              <a:rPr lang="en-US" sz="1400" dirty="0">
+                <a:hlinkClick r:id="rId2"/>
+              </a:rPr>
+              <a:t>Figma</a:t>
+            </a:r>
+            <a:endParaRPr lang="en-US" sz="1400" dirty="0"/>
+          </a:p>
+          <a:p>
+            <a:pPr marL="0" marR="0" lvl="0" indent="0">
+              <a:lnSpc>
+                <a:spcPct val="107000"/>
+              </a:lnSpc>
+              <a:spcBef>
+                <a:spcPts val="0"/>
+              </a:spcBef>
+              <a:spcAft>
+                <a:spcPts val="0"/>
+              </a:spcAft>
+              <a:buNone/>
+            </a:pPr>
+            <a:r>
+              <a:rPr lang="en-US" sz="1000" b="1" dirty="0">
+                <a:effectLst/>
+                <a:latin typeface="Slalom Sans Thin" panose="00000200000000000000" pitchFamily="50" charset="0"/>
+                <a:ea typeface="Slalom Sans Thin" panose="00000200000000000000" pitchFamily="50" charset="0"/>
+                <a:cs typeface="Times New Roman" panose="02020603050405020304" pitchFamily="18" charset="0"/>
+              </a:rPr>
+              <a:t>Figma is a web &amp; desktop design tool that uses a graph-like node structure to organize its design components, leveraging a blend of Photoshop and CSS principles.</a:t>
+            </a:r>
+          </a:p>
+        </p:txBody>
+      </p:sp>
+      <p:sp>
+        <p:nvSpPr>
+          <p:cNvPr id="4" name="Content Placeholder 2">
+            <a:extLst>
+              <a:ext uri="{FF2B5EF4-FFF2-40B4-BE49-F238E27FC236}">
+                <a16:creationId xmlns:a16="http://schemas.microsoft.com/office/drawing/2014/main" id="{69BC9B33-E2FA-FDE9-C27F-533AD6D36F0B}"/>
+              </a:ext>
+            </a:extLst>
+          </p:cNvPr>
+          <p:cNvSpPr txBox="1">
+            <a:spLocks/>
+          </p:cNvSpPr>
+          <p:nvPr/>
+        </p:nvSpPr>
+        <p:spPr>
+          <a:xfrm>
+            <a:off x="6564896" y="1955800"/>
+            <a:ext cx="5169903" cy="639233"/>
+          </a:xfrm>
+          <a:prstGeom prst="rect">
+            <a:avLst/>
+          </a:prstGeom>
+        </p:spPr>
+        <p:txBody>
+          <a:bodyPr vert="horz" lIns="91440" tIns="45720" rIns="91440" bIns="45720" rtlCol="0">
+            <a:normAutofit/>
+          </a:bodyPr>
+          <a:lstStyle>
+            <a:lvl1pPr marL="228600" indent="-228600" algn="l" defTabSz="914400" rtl="0" eaLnBrk="1" latinLnBrk="0" hangingPunct="1">
+              <a:lnSpc>
+                <a:spcPct val="90000"/>
+              </a:lnSpc>
+              <a:spcBef>
+                <a:spcPts val="1000"/>
+              </a:spcBef>
+              <a:buFont typeface="Arial" panose="020B0604020202020204" pitchFamily="34" charset="0"/>
+              <a:buChar char="•"/>
+              <a:defRPr sz="2200" kern="1200">
+                <a:solidFill>
+                  <a:schemeClr val="tx1"/>
+                </a:solidFill>
+                <a:latin typeface="+mn-lt"/>
+                <a:ea typeface="+mn-ea"/>
+                <a:cs typeface="+mn-cs"/>
+              </a:defRPr>
+            </a:lvl1pPr>
+            <a:lvl2pPr marL="685800" indent="-228600" algn="l" defTabSz="914400" rtl="0" eaLnBrk="1" latinLnBrk="0" hangingPunct="1">
+              <a:lnSpc>
+                <a:spcPct val="90000"/>
+              </a:lnSpc>
+              <a:spcBef>
+                <a:spcPts val="500"/>
+              </a:spcBef>
+              <a:buFont typeface="Arial" panose="020B0604020202020204" pitchFamily="34" charset="0"/>
+              <a:buChar char="•"/>
+              <a:defRPr sz="2000" kern="1200">
+                <a:solidFill>
+                  <a:schemeClr val="tx1"/>
+                </a:solidFill>
+                <a:latin typeface="+mn-lt"/>
+                <a:ea typeface="+mn-ea"/>
+                <a:cs typeface="+mn-cs"/>
+              </a:defRPr>
+            </a:lvl2pPr>
+            <a:lvl3pPr marL="1143000" indent="-228600" algn="l" defTabSz="914400" rtl="0" eaLnBrk="1" latinLnBrk="0" hangingPunct="1">
+              <a:lnSpc>
+                <a:spcPct val="90000"/>
+              </a:lnSpc>
+              <a:spcBef>
+                <a:spcPts val="500"/>
+              </a:spcBef>
+              <a:buFont typeface="Arial" panose="020B0604020202020204" pitchFamily="34" charset="0"/>
+              <a:buChar char="•"/>
+              <a:defRPr sz="1800" kern="1200">
+                <a:solidFill>
+                  <a:schemeClr val="tx1"/>
+                </a:solidFill>
+                <a:latin typeface="+mn-lt"/>
+                <a:ea typeface="+mn-ea"/>
+                <a:cs typeface="+mn-cs"/>
+              </a:defRPr>
+            </a:lvl3pPr>
+            <a:lvl4pPr marL="1600200" indent="-228600" algn="l" defTabSz="914400" rtl="0" eaLnBrk="1" latinLnBrk="0" hangingPunct="1">
+              <a:lnSpc>
+                <a:spcPct val="90000"/>
+              </a:lnSpc>
+              <a:spcBef>
+                <a:spcPts val="500"/>
+              </a:spcBef>
+              <a:buFont typeface="Arial" panose="020B0604020202020204" pitchFamily="34" charset="0"/>
+              <a:buChar char="•"/>
+              <a:defRPr sz="1600" kern="1200">
+                <a:solidFill>
+                  <a:schemeClr val="tx1"/>
+                </a:solidFill>
+                <a:latin typeface="+mn-lt"/>
+                <a:ea typeface="+mn-ea"/>
+                <a:cs typeface="+mn-cs"/>
+              </a:defRPr>
+            </a:lvl4pPr>
+            <a:lvl5pPr marL="2057400" indent="-228600" algn="l" defTabSz="914400" rtl="0" eaLnBrk="1" latinLnBrk="0" hangingPunct="1">
+              <a:lnSpc>
+                <a:spcPct val="90000"/>
+              </a:lnSpc>
+              <a:spcBef>
+                <a:spcPts val="500"/>
+              </a:spcBef>
+              <a:buFont typeface="Arial" panose="020B0604020202020204" pitchFamily="34" charset="0"/>
+              <a:buChar char="•"/>
+              <a:defRPr sz="1600" kern="1200">
+                <a:solidFill>
+                  <a:schemeClr val="tx1"/>
+                </a:solidFill>
+                <a:latin typeface="+mn-lt"/>
+                <a:ea typeface="+mn-ea"/>
+                <a:cs typeface="+mn-cs"/>
+              </a:defRPr>
+            </a:lvl5pPr>
+            <a:lvl6pPr marL="2514600" indent="-228600" algn="l" defTabSz="914400" rtl="0" eaLnBrk="1" latinLnBrk="0" hangingPunct="1">
+              <a:lnSpc>
+                <a:spcPct val="90000"/>
+              </a:lnSpc>
+              <a:spcBef>
+                <a:spcPts val="500"/>
+              </a:spcBef>
+              <a:buFont typeface="Arial" panose="020B0604020202020204" pitchFamily="34" charset="0"/>
+              <a:buChar char="•"/>
+              <a:defRPr sz="1600" kern="1200">
+                <a:solidFill>
+                  <a:schemeClr val="tx1"/>
+                </a:solidFill>
+                <a:latin typeface="+mn-lt"/>
+                <a:ea typeface="+mn-ea"/>
+                <a:cs typeface="+mn-cs"/>
+              </a:defRPr>
+            </a:lvl6pPr>
+            <a:lvl7pPr marL="2971800" indent="-228600" algn="l" defTabSz="914400" rtl="0" eaLnBrk="1" latinLnBrk="0" hangingPunct="1">
+              <a:lnSpc>
+                <a:spcPct val="90000"/>
+              </a:lnSpc>
+              <a:spcBef>
+                <a:spcPts val="500"/>
+              </a:spcBef>
+              <a:buFont typeface="Arial" panose="020B0604020202020204" pitchFamily="34" charset="0"/>
+              <a:buChar char="•"/>
+              <a:defRPr sz="1600" kern="1200">
+                <a:solidFill>
+                  <a:schemeClr val="tx1"/>
+                </a:solidFill>
+                <a:latin typeface="+mn-lt"/>
+                <a:ea typeface="+mn-ea"/>
+                <a:cs typeface="+mn-cs"/>
+              </a:defRPr>
+            </a:lvl7pPr>
+            <a:lvl8pPr marL="3429000" indent="-228600" algn="l" defTabSz="914400" rtl="0" eaLnBrk="1" latinLnBrk="0" hangingPunct="1">
+              <a:lnSpc>
+                <a:spcPct val="90000"/>
+              </a:lnSpc>
+              <a:spcBef>
+                <a:spcPts val="500"/>
+              </a:spcBef>
+              <a:buFont typeface="Arial" panose="020B0604020202020204" pitchFamily="34" charset="0"/>
+              <a:buChar char="•"/>
+              <a:defRPr sz="1600" kern="1200">
+                <a:solidFill>
+                  <a:schemeClr val="tx1"/>
+                </a:solidFill>
+                <a:latin typeface="+mn-lt"/>
+                <a:ea typeface="+mn-ea"/>
+                <a:cs typeface="+mn-cs"/>
+              </a:defRPr>
+            </a:lvl8pPr>
+            <a:lvl9pPr marL="3886200" indent="-228600" algn="l" defTabSz="914400" rtl="0" eaLnBrk="1" latinLnBrk="0" hangingPunct="1">
+              <a:lnSpc>
+                <a:spcPct val="90000"/>
+              </a:lnSpc>
+              <a:spcBef>
+                <a:spcPts val="500"/>
+              </a:spcBef>
+              <a:buFont typeface="Arial" panose="020B0604020202020204" pitchFamily="34" charset="0"/>
+              <a:buChar char="•"/>
+              <a:defRPr sz="1600" kern="1200">
+                <a:solidFill>
+                  <a:schemeClr val="tx1"/>
+                </a:solidFill>
+                <a:latin typeface="+mn-lt"/>
+                <a:ea typeface="+mn-ea"/>
+                <a:cs typeface="+mn-cs"/>
+              </a:defRPr>
+            </a:lvl9pPr>
+          </a:lstStyle>
+          <a:p>
+            <a:pPr marL="0" indent="0" algn="ctr">
+              <a:lnSpc>
+                <a:spcPct val="107000"/>
+              </a:lnSpc>
+              <a:spcBef>
+                <a:spcPts val="0"/>
+              </a:spcBef>
+              <a:buFont typeface="Arial" panose="020B0604020202020204" pitchFamily="34" charset="0"/>
+              <a:buNone/>
+            </a:pPr>
+            <a:r>
+              <a:rPr lang="en-US" sz="1400" dirty="0">
+                <a:hlinkClick r:id="rId3"/>
+              </a:rPr>
+              <a:t>S</a:t>
+            </a:r>
+            <a:r>
+              <a:rPr lang="en-US" sz="1400" dirty="0">
+                <a:hlinkClick r:id="rId3"/>
+              </a:rPr>
+              <a:t>torybook</a:t>
+            </a:r>
+            <a:endParaRPr lang="en-US" sz="1400" dirty="0"/>
+          </a:p>
+          <a:p>
+            <a:pPr marL="0" indent="0">
+              <a:lnSpc>
+                <a:spcPct val="107000"/>
+              </a:lnSpc>
+              <a:spcBef>
+                <a:spcPts val="0"/>
+              </a:spcBef>
+              <a:buFont typeface="Arial" panose="020B0604020202020204" pitchFamily="34" charset="0"/>
+              <a:buNone/>
+            </a:pPr>
+            <a:r>
+              <a:rPr lang="en-US" sz="1000" b="1" dirty="0">
+                <a:latin typeface="Slalom Sans Thin" panose="00000200000000000000" pitchFamily="50" charset="0"/>
+                <a:ea typeface="Slalom Sans Thin" panose="00000200000000000000" pitchFamily="50" charset="0"/>
+                <a:cs typeface="Times New Roman" panose="02020603050405020304" pitchFamily="18" charset="0"/>
+              </a:rPr>
+              <a:t>Storybook allows UX, QA, and Devs to organize and validate their React components in a state-managed sandbox environment.</a:t>
+            </a:r>
+          </a:p>
+        </p:txBody>
+      </p:sp>
+      <p:pic>
+        <p:nvPicPr>
+          <p:cNvPr id="8" name="Picture 7">
+            <a:extLst>
+              <a:ext uri="{FF2B5EF4-FFF2-40B4-BE49-F238E27FC236}">
+                <a16:creationId xmlns:a16="http://schemas.microsoft.com/office/drawing/2014/main" id="{ABFA6FAC-6989-1C9B-8817-76F5E83DDB15}"/>
+              </a:ext>
+            </a:extLst>
+          </p:cNvPr>
+          <p:cNvPicPr>
+            <a:picLocks noChangeAspect="1"/>
+          </p:cNvPicPr>
+          <p:nvPr/>
+        </p:nvPicPr>
+        <p:blipFill>
+          <a:blip r:embed="rId4"/>
+          <a:stretch>
+            <a:fillRect/>
+          </a:stretch>
+        </p:blipFill>
+        <p:spPr>
+          <a:xfrm>
+            <a:off x="6564896" y="2699278"/>
+            <a:ext cx="5257328" cy="3557590"/>
+          </a:xfrm>
+          <a:prstGeom prst="rect">
+            <a:avLst/>
+          </a:prstGeom>
+        </p:spPr>
+      </p:pic>
+      <p:pic>
+        <p:nvPicPr>
+          <p:cNvPr id="11" name="Picture 10">
+            <a:extLst>
+              <a:ext uri="{FF2B5EF4-FFF2-40B4-BE49-F238E27FC236}">
+                <a16:creationId xmlns:a16="http://schemas.microsoft.com/office/drawing/2014/main" id="{15EA5DC1-0E35-EF4A-E096-5F82CBFEB086}"/>
+              </a:ext>
+            </a:extLst>
+          </p:cNvPr>
+          <p:cNvPicPr>
+            <a:picLocks noChangeAspect="1"/>
+          </p:cNvPicPr>
+          <p:nvPr/>
+        </p:nvPicPr>
+        <p:blipFill>
+          <a:blip r:embed="rId5"/>
+          <a:stretch>
+            <a:fillRect/>
+          </a:stretch>
+        </p:blipFill>
+        <p:spPr>
+          <a:xfrm>
+            <a:off x="369776" y="2774292"/>
+            <a:ext cx="5639139" cy="3389442"/>
+          </a:xfrm>
+          <a:prstGeom prst="rect">
+            <a:avLst/>
+          </a:prstGeom>
+        </p:spPr>
+      </p:pic>
+    </p:spTree>
+    <p:extLst>
+      <p:ext uri="{BB962C8B-B14F-4D97-AF65-F5344CB8AC3E}">
+        <p14:creationId xmlns:p14="http://schemas.microsoft.com/office/powerpoint/2010/main" val="3495663469"/>
       </p:ext>
     </p:extLst>
   </p:cSld>

--- a/docs/Power BI & React.pptx
+++ b/docs/Power BI & React.pptx
@@ -11,11 +11,13 @@
     <p:sldId id="256" r:id="rId5"/>
     <p:sldId id="257" r:id="rId6"/>
     <p:sldId id="259" r:id="rId7"/>
-    <p:sldId id="260" r:id="rId8"/>
+    <p:sldId id="265" r:id="rId8"/>
     <p:sldId id="258" r:id="rId9"/>
-    <p:sldId id="263" r:id="rId10"/>
-    <p:sldId id="262" r:id="rId11"/>
-    <p:sldId id="264" r:id="rId12"/>
+    <p:sldId id="260" r:id="rId10"/>
+    <p:sldId id="263" r:id="rId11"/>
+    <p:sldId id="262" r:id="rId12"/>
+    <p:sldId id="264" r:id="rId13"/>
+    <p:sldId id="266" r:id="rId14"/>
   </p:sldIdLst>
   <p:sldSz cx="12192000" cy="6858000"/>
   <p:notesSz cx="6858000" cy="9144000"/>
@@ -125,7 +127,7 @@
 <file path=ppt/revisionInfo.xml><?xml version="1.0" encoding="utf-8"?>
 <p1510:revInfo xmlns:a="http://schemas.openxmlformats.org/drawingml/2006/main" xmlns:r="http://schemas.openxmlformats.org/officeDocument/2006/relationships" xmlns:p1510="http://schemas.microsoft.com/office/powerpoint/2015/10/main">
   <p1510:revLst>
-    <p1510:client id="{BF16961A-92D4-4DBA-A500-655616D3AED8}" v="48" dt="2022-08-25T11:52:34.028"/>
+    <p1510:client id="{BF16961A-92D4-4DBA-A500-655616D3AED8}" v="59" dt="2022-08-25T12:46:23.125"/>
   </p1510:revLst>
 </p1510:revInfo>
 </file>
@@ -135,18 +137,18 @@
   <pc:docChgLst>
     <pc:chgData name="Matt Nawrocki" userId="392c0c8a-4f6a-48e1-9e75-90752b97264c" providerId="ADAL" clId="{BF16961A-92D4-4DBA-A500-655616D3AED8}"/>
     <pc:docChg chg="undo redo custSel addSld delSld modSld sldOrd addMainMaster modMainMaster">
-      <pc:chgData name="Matt Nawrocki" userId="392c0c8a-4f6a-48e1-9e75-90752b97264c" providerId="ADAL" clId="{BF16961A-92D4-4DBA-A500-655616D3AED8}" dt="2022-08-25T12:05:13.174" v="3921" actId="27636"/>
+      <pc:chgData name="Matt Nawrocki" userId="392c0c8a-4f6a-48e1-9e75-90752b97264c" providerId="ADAL" clId="{BF16961A-92D4-4DBA-A500-655616D3AED8}" dt="2022-08-25T12:47:46.171" v="5628" actId="21"/>
       <pc:docMkLst>
         <pc:docMk/>
       </pc:docMkLst>
       <pc:sldChg chg="modSp mod">
-        <pc:chgData name="Matt Nawrocki" userId="392c0c8a-4f6a-48e1-9e75-90752b97264c" providerId="ADAL" clId="{BF16961A-92D4-4DBA-A500-655616D3AED8}" dt="2022-08-24T16:40:01.352" v="3250" actId="113"/>
+        <pc:chgData name="Matt Nawrocki" userId="392c0c8a-4f6a-48e1-9e75-90752b97264c" providerId="ADAL" clId="{BF16961A-92D4-4DBA-A500-655616D3AED8}" dt="2022-08-25T12:47:46.171" v="5628" actId="21"/>
         <pc:sldMkLst>
           <pc:docMk/>
           <pc:sldMk cId="2133872266" sldId="256"/>
         </pc:sldMkLst>
         <pc:spChg chg="mod">
-          <ac:chgData name="Matt Nawrocki" userId="392c0c8a-4f6a-48e1-9e75-90752b97264c" providerId="ADAL" clId="{BF16961A-92D4-4DBA-A500-655616D3AED8}" dt="2022-08-24T16:39:56.351" v="3249" actId="20577"/>
+          <ac:chgData name="Matt Nawrocki" userId="392c0c8a-4f6a-48e1-9e75-90752b97264c" providerId="ADAL" clId="{BF16961A-92D4-4DBA-A500-655616D3AED8}" dt="2022-08-25T12:47:46.171" v="5628" actId="21"/>
           <ac:spMkLst>
             <pc:docMk/>
             <pc:sldMk cId="2133872266" sldId="256"/>
@@ -163,7 +165,7 @@
         </pc:spChg>
       </pc:sldChg>
       <pc:sldChg chg="modSp new mod">
-        <pc:chgData name="Matt Nawrocki" userId="392c0c8a-4f6a-48e1-9e75-90752b97264c" providerId="ADAL" clId="{BF16961A-92D4-4DBA-A500-655616D3AED8}" dt="2022-08-25T12:05:13.174" v="3921" actId="27636"/>
+        <pc:chgData name="Matt Nawrocki" userId="392c0c8a-4f6a-48e1-9e75-90752b97264c" providerId="ADAL" clId="{BF16961A-92D4-4DBA-A500-655616D3AED8}" dt="2022-08-25T12:35:50.174" v="5481" actId="27636"/>
         <pc:sldMkLst>
           <pc:docMk/>
           <pc:sldMk cId="2781395865" sldId="257"/>
@@ -177,7 +179,7 @@
           </ac:spMkLst>
         </pc:spChg>
         <pc:spChg chg="mod">
-          <ac:chgData name="Matt Nawrocki" userId="392c0c8a-4f6a-48e1-9e75-90752b97264c" providerId="ADAL" clId="{BF16961A-92D4-4DBA-A500-655616D3AED8}" dt="2022-08-25T12:05:13.174" v="3921" actId="27636"/>
+          <ac:chgData name="Matt Nawrocki" userId="392c0c8a-4f6a-48e1-9e75-90752b97264c" providerId="ADAL" clId="{BF16961A-92D4-4DBA-A500-655616D3AED8}" dt="2022-08-25T12:35:50.174" v="5481" actId="27636"/>
           <ac:spMkLst>
             <pc:docMk/>
             <pc:sldMk cId="2781395865" sldId="257"/>
@@ -185,14 +187,14 @@
           </ac:spMkLst>
         </pc:spChg>
       </pc:sldChg>
-      <pc:sldChg chg="modSp new mod">
-        <pc:chgData name="Matt Nawrocki" userId="392c0c8a-4f6a-48e1-9e75-90752b97264c" providerId="ADAL" clId="{BF16961A-92D4-4DBA-A500-655616D3AED8}" dt="2022-08-24T16:40:19.505" v="3257" actId="113"/>
+      <pc:sldChg chg="modSp new mod ord">
+        <pc:chgData name="Matt Nawrocki" userId="392c0c8a-4f6a-48e1-9e75-90752b97264c" providerId="ADAL" clId="{BF16961A-92D4-4DBA-A500-655616D3AED8}" dt="2022-08-25T12:42:42.708" v="5600" actId="20577"/>
         <pc:sldMkLst>
           <pc:docMk/>
           <pc:sldMk cId="1873910780" sldId="258"/>
         </pc:sldMkLst>
         <pc:spChg chg="mod">
-          <ac:chgData name="Matt Nawrocki" userId="392c0c8a-4f6a-48e1-9e75-90752b97264c" providerId="ADAL" clId="{BF16961A-92D4-4DBA-A500-655616D3AED8}" dt="2022-08-24T16:40:19.505" v="3257" actId="113"/>
+          <ac:chgData name="Matt Nawrocki" userId="392c0c8a-4f6a-48e1-9e75-90752b97264c" providerId="ADAL" clId="{BF16961A-92D4-4DBA-A500-655616D3AED8}" dt="2022-08-25T12:42:42.708" v="5600" actId="20577"/>
           <ac:spMkLst>
             <pc:docMk/>
             <pc:sldMk cId="1873910780" sldId="258"/>
@@ -200,7 +202,7 @@
           </ac:spMkLst>
         </pc:spChg>
         <pc:spChg chg="mod">
-          <ac:chgData name="Matt Nawrocki" userId="392c0c8a-4f6a-48e1-9e75-90752b97264c" providerId="ADAL" clId="{BF16961A-92D4-4DBA-A500-655616D3AED8}" dt="2022-08-24T16:40:19.505" v="3257" actId="113"/>
+          <ac:chgData name="Matt Nawrocki" userId="392c0c8a-4f6a-48e1-9e75-90752b97264c" providerId="ADAL" clId="{BF16961A-92D4-4DBA-A500-655616D3AED8}" dt="2022-08-25T12:40:50.771" v="5527" actId="20577"/>
           <ac:spMkLst>
             <pc:docMk/>
             <pc:sldMk cId="1873910780" sldId="258"/>
@@ -215,8 +217,8 @@
           <pc:sldMk cId="2496585108" sldId="258"/>
         </pc:sldMkLst>
       </pc:sldChg>
-      <pc:sldChg chg="modSp add mod ord">
-        <pc:chgData name="Matt Nawrocki" userId="392c0c8a-4f6a-48e1-9e75-90752b97264c" providerId="ADAL" clId="{BF16961A-92D4-4DBA-A500-655616D3AED8}" dt="2022-08-25T12:01:39.585" v="3791" actId="20577"/>
+      <pc:sldChg chg="addSp modSp add mod ord">
+        <pc:chgData name="Matt Nawrocki" userId="392c0c8a-4f6a-48e1-9e75-90752b97264c" providerId="ADAL" clId="{BF16961A-92D4-4DBA-A500-655616D3AED8}" dt="2022-08-25T12:39:20.521" v="5503" actId="255"/>
         <pc:sldMkLst>
           <pc:docMk/>
           <pc:sldMk cId="939552486" sldId="259"/>
@@ -230,22 +232,46 @@
           </ac:spMkLst>
         </pc:spChg>
         <pc:spChg chg="mod">
-          <ac:chgData name="Matt Nawrocki" userId="392c0c8a-4f6a-48e1-9e75-90752b97264c" providerId="ADAL" clId="{BF16961A-92D4-4DBA-A500-655616D3AED8}" dt="2022-08-25T12:01:39.585" v="3791" actId="20577"/>
+          <ac:chgData name="Matt Nawrocki" userId="392c0c8a-4f6a-48e1-9e75-90752b97264c" providerId="ADAL" clId="{BF16961A-92D4-4DBA-A500-655616D3AED8}" dt="2022-08-25T12:39:20.521" v="5503" actId="255"/>
           <ac:spMkLst>
             <pc:docMk/>
             <pc:sldMk cId="939552486" sldId="259"/>
             <ac:spMk id="3" creationId="{3114DA36-E882-4D9C-4CC9-4CC14D65C766}"/>
           </ac:spMkLst>
         </pc:spChg>
+        <pc:spChg chg="add mod">
+          <ac:chgData name="Matt Nawrocki" userId="392c0c8a-4f6a-48e1-9e75-90752b97264c" providerId="ADAL" clId="{BF16961A-92D4-4DBA-A500-655616D3AED8}" dt="2022-08-25T12:20:01.747" v="4430" actId="1035"/>
+          <ac:spMkLst>
+            <pc:docMk/>
+            <pc:sldMk cId="939552486" sldId="259"/>
+            <ac:spMk id="4" creationId="{880B2478-D3AF-0AB6-69D3-4C83C4BE74DB}"/>
+          </ac:spMkLst>
+        </pc:spChg>
+        <pc:picChg chg="add mod">
+          <ac:chgData name="Matt Nawrocki" userId="392c0c8a-4f6a-48e1-9e75-90752b97264c" providerId="ADAL" clId="{BF16961A-92D4-4DBA-A500-655616D3AED8}" dt="2022-08-25T12:26:37.982" v="4468" actId="1076"/>
+          <ac:picMkLst>
+            <pc:docMk/>
+            <pc:sldMk cId="939552486" sldId="259"/>
+            <ac:picMk id="6" creationId="{C4AC5FCA-4C2F-CEAA-AA35-CB539470088E}"/>
+          </ac:picMkLst>
+        </pc:picChg>
+        <pc:picChg chg="add mod">
+          <ac:chgData name="Matt Nawrocki" userId="392c0c8a-4f6a-48e1-9e75-90752b97264c" providerId="ADAL" clId="{BF16961A-92D4-4DBA-A500-655616D3AED8}" dt="2022-08-25T12:15:44.565" v="4004" actId="1076"/>
+          <ac:picMkLst>
+            <pc:docMk/>
+            <pc:sldMk cId="939552486" sldId="259"/>
+            <ac:picMk id="1026" creationId="{1B9A9749-8C01-2272-2375-8FACF29CF865}"/>
+          </ac:picMkLst>
+        </pc:picChg>
       </pc:sldChg>
       <pc:sldChg chg="modSp add mod ord">
-        <pc:chgData name="Matt Nawrocki" userId="392c0c8a-4f6a-48e1-9e75-90752b97264c" providerId="ADAL" clId="{BF16961A-92D4-4DBA-A500-655616D3AED8}" dt="2022-08-24T16:41:14.563" v="3273" actId="27636"/>
+        <pc:chgData name="Matt Nawrocki" userId="392c0c8a-4f6a-48e1-9e75-90752b97264c" providerId="ADAL" clId="{BF16961A-92D4-4DBA-A500-655616D3AED8}" dt="2022-08-25T12:42:48.391" v="5604" actId="20577"/>
         <pc:sldMkLst>
           <pc:docMk/>
           <pc:sldMk cId="3306039657" sldId="260"/>
         </pc:sldMkLst>
         <pc:spChg chg="mod">
-          <ac:chgData name="Matt Nawrocki" userId="392c0c8a-4f6a-48e1-9e75-90752b97264c" providerId="ADAL" clId="{BF16961A-92D4-4DBA-A500-655616D3AED8}" dt="2022-08-24T16:40:12.815" v="3255" actId="113"/>
+          <ac:chgData name="Matt Nawrocki" userId="392c0c8a-4f6a-48e1-9e75-90752b97264c" providerId="ADAL" clId="{BF16961A-92D4-4DBA-A500-655616D3AED8}" dt="2022-08-25T12:42:48.391" v="5604" actId="20577"/>
           <ac:spMkLst>
             <pc:docMk/>
             <pc:sldMk cId="3306039657" sldId="260"/>
@@ -253,7 +279,7 @@
           </ac:spMkLst>
         </pc:spChg>
         <pc:spChg chg="mod">
-          <ac:chgData name="Matt Nawrocki" userId="392c0c8a-4f6a-48e1-9e75-90752b97264c" providerId="ADAL" clId="{BF16961A-92D4-4DBA-A500-655616D3AED8}" dt="2022-08-24T16:41:14.563" v="3273" actId="27636"/>
+          <ac:chgData name="Matt Nawrocki" userId="392c0c8a-4f6a-48e1-9e75-90752b97264c" providerId="ADAL" clId="{BF16961A-92D4-4DBA-A500-655616D3AED8}" dt="2022-08-25T12:35:57.060" v="5483" actId="27636"/>
           <ac:spMkLst>
             <pc:docMk/>
             <pc:sldMk cId="3306039657" sldId="260"/>
@@ -300,7 +326,7 @@
         </pc:spChg>
       </pc:sldChg>
       <pc:sldChg chg="addSp modSp add mod">
-        <pc:chgData name="Matt Nawrocki" userId="392c0c8a-4f6a-48e1-9e75-90752b97264c" providerId="ADAL" clId="{BF16961A-92D4-4DBA-A500-655616D3AED8}" dt="2022-08-24T16:40:31.393" v="3261" actId="113"/>
+        <pc:chgData name="Matt Nawrocki" userId="392c0c8a-4f6a-48e1-9e75-90752b97264c" providerId="ADAL" clId="{BF16961A-92D4-4DBA-A500-655616D3AED8}" dt="2022-08-25T12:36:14.319" v="5487" actId="948"/>
         <pc:sldMkLst>
           <pc:docMk/>
           <pc:sldMk cId="2244176599" sldId="262"/>
@@ -314,7 +340,7 @@
           </ac:spMkLst>
         </pc:spChg>
         <pc:spChg chg="mod">
-          <ac:chgData name="Matt Nawrocki" userId="392c0c8a-4f6a-48e1-9e75-90752b97264c" providerId="ADAL" clId="{BF16961A-92D4-4DBA-A500-655616D3AED8}" dt="2022-08-24T16:40:31.393" v="3261" actId="113"/>
+          <ac:chgData name="Matt Nawrocki" userId="392c0c8a-4f6a-48e1-9e75-90752b97264c" providerId="ADAL" clId="{BF16961A-92D4-4DBA-A500-655616D3AED8}" dt="2022-08-25T12:36:14.319" v="5487" actId="948"/>
           <ac:spMkLst>
             <pc:docMk/>
             <pc:sldMk cId="2244176599" sldId="262"/>
@@ -437,6 +463,76 @@
             <pc:docMk/>
             <pc:sldMk cId="3495663469" sldId="264"/>
             <ac:picMk id="11" creationId="{15EA5DC1-0E35-EF4A-E096-5F82CBFEB086}"/>
+          </ac:picMkLst>
+        </pc:picChg>
+      </pc:sldChg>
+      <pc:sldChg chg="addSp modSp add mod">
+        <pc:chgData name="Matt Nawrocki" userId="392c0c8a-4f6a-48e1-9e75-90752b97264c" providerId="ADAL" clId="{BF16961A-92D4-4DBA-A500-655616D3AED8}" dt="2022-08-25T12:41:22.867" v="5556" actId="404"/>
+        <pc:sldMkLst>
+          <pc:docMk/>
+          <pc:sldMk cId="235753825" sldId="265"/>
+        </pc:sldMkLst>
+        <pc:spChg chg="mod">
+          <ac:chgData name="Matt Nawrocki" userId="392c0c8a-4f6a-48e1-9e75-90752b97264c" providerId="ADAL" clId="{BF16961A-92D4-4DBA-A500-655616D3AED8}" dt="2022-08-25T12:41:22.867" v="5556" actId="404"/>
+          <ac:spMkLst>
+            <pc:docMk/>
+            <pc:sldMk cId="235753825" sldId="265"/>
+            <ac:spMk id="2" creationId="{ED478602-91BB-90E9-C2CB-D8CB1C443D10}"/>
+          </ac:spMkLst>
+        </pc:spChg>
+        <pc:spChg chg="mod">
+          <ac:chgData name="Matt Nawrocki" userId="392c0c8a-4f6a-48e1-9e75-90752b97264c" providerId="ADAL" clId="{BF16961A-92D4-4DBA-A500-655616D3AED8}" dt="2022-08-25T12:40:29.596" v="5512" actId="20577"/>
+          <ac:spMkLst>
+            <pc:docMk/>
+            <pc:sldMk cId="235753825" sldId="265"/>
+            <ac:spMk id="3" creationId="{3114DA36-E882-4D9C-4CC9-4CC14D65C766}"/>
+          </ac:spMkLst>
+        </pc:spChg>
+        <pc:spChg chg="add mod">
+          <ac:chgData name="Matt Nawrocki" userId="392c0c8a-4f6a-48e1-9e75-90752b97264c" providerId="ADAL" clId="{BF16961A-92D4-4DBA-A500-655616D3AED8}" dt="2022-08-25T12:29:34.024" v="4812" actId="122"/>
+          <ac:spMkLst>
+            <pc:docMk/>
+            <pc:sldMk cId="235753825" sldId="265"/>
+            <ac:spMk id="6" creationId="{8E647CB8-477D-0230-3A3C-6BAB9A2FAADD}"/>
+          </ac:spMkLst>
+        </pc:spChg>
+        <pc:picChg chg="add mod">
+          <ac:chgData name="Matt Nawrocki" userId="392c0c8a-4f6a-48e1-9e75-90752b97264c" providerId="ADAL" clId="{BF16961A-92D4-4DBA-A500-655616D3AED8}" dt="2022-08-25T12:28:39.507" v="4735" actId="1076"/>
+          <ac:picMkLst>
+            <pc:docMk/>
+            <pc:sldMk cId="235753825" sldId="265"/>
+            <ac:picMk id="5" creationId="{FE5BC4CB-B38B-2C47-0CD3-0E7FF6531A22}"/>
+          </ac:picMkLst>
+        </pc:picChg>
+      </pc:sldChg>
+      <pc:sldChg chg="addSp delSp modSp add mod">
+        <pc:chgData name="Matt Nawrocki" userId="392c0c8a-4f6a-48e1-9e75-90752b97264c" providerId="ADAL" clId="{BF16961A-92D4-4DBA-A500-655616D3AED8}" dt="2022-08-25T12:46:23.125" v="5612"/>
+        <pc:sldMkLst>
+          <pc:docMk/>
+          <pc:sldMk cId="2473084400" sldId="266"/>
+        </pc:sldMkLst>
+        <pc:spChg chg="del mod">
+          <ac:chgData name="Matt Nawrocki" userId="392c0c8a-4f6a-48e1-9e75-90752b97264c" providerId="ADAL" clId="{BF16961A-92D4-4DBA-A500-655616D3AED8}" dt="2022-08-25T12:46:19.978" v="5610" actId="478"/>
+          <ac:spMkLst>
+            <pc:docMk/>
+            <pc:sldMk cId="2473084400" sldId="266"/>
+            <ac:spMk id="2" creationId="{A3BE206B-1AF9-9163-6138-ECFFF8873C96}"/>
+          </ac:spMkLst>
+        </pc:spChg>
+        <pc:spChg chg="add del mod">
+          <ac:chgData name="Matt Nawrocki" userId="392c0c8a-4f6a-48e1-9e75-90752b97264c" providerId="ADAL" clId="{BF16961A-92D4-4DBA-A500-655616D3AED8}" dt="2022-08-25T12:46:21.832" v="5611" actId="478"/>
+          <ac:spMkLst>
+            <pc:docMk/>
+            <pc:sldMk cId="2473084400" sldId="266"/>
+            <ac:spMk id="4" creationId="{65A5F0FE-C269-636A-045E-E8126165C8AD}"/>
+          </ac:spMkLst>
+        </pc:spChg>
+        <pc:picChg chg="add">
+          <ac:chgData name="Matt Nawrocki" userId="392c0c8a-4f6a-48e1-9e75-90752b97264c" providerId="ADAL" clId="{BF16961A-92D4-4DBA-A500-655616D3AED8}" dt="2022-08-25T12:46:23.125" v="5612"/>
+          <ac:picMkLst>
+            <pc:docMk/>
+            <pc:sldMk cId="2473084400" sldId="266"/>
+            <ac:picMk id="2050" creationId="{0B9204DE-A887-DDE2-0EE3-9D683A45FCFD}"/>
           </ac:picMkLst>
         </pc:picChg>
       </pc:sldChg>
@@ -18775,6 +18871,83 @@
 </p:sld>
 </file>
 
+<file path=ppt/slides/slide10.xml><?xml version="1.0" encoding="utf-8"?>
+<p:sld xmlns:a="http://schemas.openxmlformats.org/drawingml/2006/main" xmlns:r="http://schemas.openxmlformats.org/officeDocument/2006/relationships" xmlns:p="http://schemas.openxmlformats.org/presentationml/2006/main">
+  <p:cSld>
+    <p:spTree>
+      <p:nvGrpSpPr>
+        <p:cNvPr id="1" name=""/>
+        <p:cNvGrpSpPr/>
+        <p:nvPr/>
+      </p:nvGrpSpPr>
+      <p:grpSpPr>
+        <a:xfrm>
+          <a:off x="0" y="0"/>
+          <a:ext cx="0" cy="0"/>
+          <a:chOff x="0" y="0"/>
+          <a:chExt cx="0" cy="0"/>
+        </a:xfrm>
+      </p:grpSpPr>
+      <p:pic>
+        <p:nvPicPr>
+          <p:cNvPr id="2050" name="Picture 2" descr="Old Movie Fin Film With Sound Effect HD FREE with Download Link - YouTube">
+            <a:extLst>
+              <a:ext uri="{FF2B5EF4-FFF2-40B4-BE49-F238E27FC236}">
+                <a16:creationId xmlns:a16="http://schemas.microsoft.com/office/drawing/2014/main" id="{0B9204DE-A887-DDE2-0EE3-9D683A45FCFD}"/>
+              </a:ext>
+            </a:extLst>
+          </p:cNvPr>
+          <p:cNvPicPr>
+            <a:picLocks noChangeAspect="1" noChangeArrowheads="1"/>
+          </p:cNvPicPr>
+          <p:nvPr/>
+        </p:nvPicPr>
+        <p:blipFill>
+          <a:blip r:embed="rId2">
+            <a:extLst>
+              <a:ext uri="{28A0092B-C50C-407E-A947-70E740481C1C}">
+                <a14:useLocalDpi xmlns:a14="http://schemas.microsoft.com/office/drawing/2010/main" val="0"/>
+              </a:ext>
+            </a:extLst>
+          </a:blip>
+          <a:srcRect/>
+          <a:stretch>
+            <a:fillRect/>
+          </a:stretch>
+        </p:blipFill>
+        <p:spPr bwMode="auto">
+          <a:xfrm>
+            <a:off x="0" y="0"/>
+            <a:ext cx="12192000" cy="6858000"/>
+          </a:xfrm>
+          <a:prstGeom prst="rect">
+            <a:avLst/>
+          </a:prstGeom>
+          <a:noFill/>
+          <a:extLst>
+            <a:ext uri="{909E8E84-426E-40DD-AFC4-6F175D3DCCD1}">
+              <a14:hiddenFill xmlns:a14="http://schemas.microsoft.com/office/drawing/2010/main">
+                <a:solidFill>
+                  <a:srgbClr val="FFFFFF"/>
+                </a:solidFill>
+              </a14:hiddenFill>
+            </a:ext>
+          </a:extLst>
+        </p:spPr>
+      </p:pic>
+    </p:spTree>
+    <p:extLst>
+      <p:ext uri="{BB962C8B-B14F-4D97-AF65-F5344CB8AC3E}">
+        <p14:creationId xmlns:p14="http://schemas.microsoft.com/office/powerpoint/2010/main" val="2473084400"/>
+      </p:ext>
+    </p:extLst>
+  </p:cSld>
+  <p:clrMapOvr>
+    <a:masterClrMapping/>
+  </p:clrMapOvr>
+</p:sld>
+</file>
+
 <file path=ppt/slides/slide2.xml><?xml version="1.0" encoding="utf-8"?>
 <p:sld xmlns:a="http://schemas.openxmlformats.org/drawingml/2006/main" xmlns:r="http://schemas.openxmlformats.org/officeDocument/2006/relationships" xmlns:p="http://schemas.openxmlformats.org/presentationml/2006/main">
   <p:cSld>
@@ -18842,10 +19015,15 @@
         <p:spPr/>
         <p:txBody>
           <a:bodyPr>
-            <a:normAutofit fontScale="92500" lnSpcReduction="10000"/>
+            <a:normAutofit fontScale="85000" lnSpcReduction="20000"/>
           </a:bodyPr>
           <a:lstStyle/>
           <a:p>
+            <a:pPr>
+              <a:lnSpc>
+                <a:spcPct val="110000"/>
+              </a:lnSpc>
+            </a:pPr>
             <a:r>
               <a:rPr lang="en-US" b="1" dirty="0">
                 <a:latin typeface="Slalom Sans Thin" panose="00000200000000000000" pitchFamily="50" charset="0"/>
@@ -18855,7 +19033,11 @@
             </a:r>
           </a:p>
           <a:p>
-            <a:pPr lvl="1"/>
+            <a:pPr lvl="1">
+              <a:lnSpc>
+                <a:spcPct val="110000"/>
+              </a:lnSpc>
+            </a:pPr>
             <a:r>
               <a:rPr lang="en-US" b="1" dirty="0">
                 <a:latin typeface="Slalom Sans Thin" panose="00000200000000000000" pitchFamily="50" charset="0"/>
@@ -18865,7 +19047,11 @@
             </a:r>
           </a:p>
           <a:p>
-            <a:pPr lvl="1"/>
+            <a:pPr lvl="1">
+              <a:lnSpc>
+                <a:spcPct val="110000"/>
+              </a:lnSpc>
+            </a:pPr>
             <a:r>
               <a:rPr lang="en-US" b="1" dirty="0">
                 <a:latin typeface="Slalom Sans Thin" panose="00000200000000000000" pitchFamily="50" charset="0"/>
@@ -18875,6 +19061,11 @@
             </a:r>
           </a:p>
           <a:p>
+            <a:pPr>
+              <a:lnSpc>
+                <a:spcPct val="110000"/>
+              </a:lnSpc>
+            </a:pPr>
             <a:r>
               <a:rPr lang="en-US" b="1" dirty="0">
                 <a:latin typeface="Slalom Sans Thin" panose="00000200000000000000" pitchFamily="50" charset="0"/>
@@ -18884,7 +19075,11 @@
             </a:r>
           </a:p>
           <a:p>
-            <a:pPr lvl="1"/>
+            <a:pPr lvl="1">
+              <a:lnSpc>
+                <a:spcPct val="110000"/>
+              </a:lnSpc>
+            </a:pPr>
             <a:r>
               <a:rPr lang="en-US" b="1" dirty="0" err="1">
                 <a:latin typeface="Slalom Sans Thin" panose="00000200000000000000" pitchFamily="50" charset="0"/>
@@ -18907,7 +19102,11 @@
             </a:endParaRPr>
           </a:p>
           <a:p>
-            <a:pPr lvl="1"/>
+            <a:pPr lvl="1">
+              <a:lnSpc>
+                <a:spcPct val="110000"/>
+              </a:lnSpc>
+            </a:pPr>
             <a:r>
               <a:rPr lang="en-US" b="1" dirty="0">
                 <a:latin typeface="Slalom Sans Thin" panose="00000200000000000000" pitchFamily="50" charset="0"/>
@@ -18917,7 +19116,11 @@
             </a:r>
           </a:p>
           <a:p>
-            <a:pPr lvl="1"/>
+            <a:pPr lvl="1">
+              <a:lnSpc>
+                <a:spcPct val="110000"/>
+              </a:lnSpc>
+            </a:pPr>
             <a:r>
               <a:rPr lang="en-US" b="1" dirty="0">
                 <a:latin typeface="Slalom Sans Thin" panose="00000200000000000000" pitchFamily="50" charset="0"/>
@@ -18927,7 +19130,11 @@
             </a:r>
           </a:p>
           <a:p>
-            <a:pPr lvl="1"/>
+            <a:pPr lvl="1">
+              <a:lnSpc>
+                <a:spcPct val="110000"/>
+              </a:lnSpc>
+            </a:pPr>
             <a:r>
               <a:rPr lang="en-US" b="1" dirty="0">
                 <a:latin typeface="Slalom Sans Thin" panose="00000200000000000000" pitchFamily="50" charset="0"/>
@@ -18942,6 +19149,11 @@
             </a:endParaRPr>
           </a:p>
           <a:p>
+            <a:pPr>
+              <a:lnSpc>
+                <a:spcPct val="110000"/>
+              </a:lnSpc>
+            </a:pPr>
             <a:r>
               <a:rPr lang="en-US" b="1" dirty="0">
                 <a:latin typeface="Slalom Sans Thin" panose="00000200000000000000" pitchFamily="50" charset="0"/>
@@ -18951,6 +19163,11 @@
             </a:r>
           </a:p>
           <a:p>
+            <a:pPr>
+              <a:lnSpc>
+                <a:spcPct val="110000"/>
+              </a:lnSpc>
+            </a:pPr>
             <a:r>
               <a:rPr lang="en-US" b="1" dirty="0">
                 <a:latin typeface="Slalom Sans Thin" panose="00000200000000000000" pitchFamily="50" charset="0"/>
@@ -18960,7 +19177,11 @@
             </a:r>
           </a:p>
           <a:p>
-            <a:pPr lvl="1"/>
+            <a:pPr lvl="1">
+              <a:lnSpc>
+                <a:spcPct val="110000"/>
+              </a:lnSpc>
+            </a:pPr>
             <a:r>
               <a:rPr lang="en-US" b="1" dirty="0">
                 <a:latin typeface="Slalom Sans Thin" panose="00000200000000000000" pitchFamily="50" charset="0"/>
@@ -18970,7 +19191,11 @@
             </a:r>
           </a:p>
           <a:p>
-            <a:pPr lvl="1"/>
+            <a:pPr lvl="1">
+              <a:lnSpc>
+                <a:spcPct val="110000"/>
+              </a:lnSpc>
+            </a:pPr>
             <a:r>
               <a:rPr lang="en-US" b="1" dirty="0">
                 <a:latin typeface="Slalom Sans Thin" panose="00000200000000000000" pitchFamily="50" charset="0"/>
@@ -18980,7 +19205,11 @@
             </a:r>
           </a:p>
           <a:p>
-            <a:pPr lvl="1"/>
+            <a:pPr lvl="1">
+              <a:lnSpc>
+                <a:spcPct val="110000"/>
+              </a:lnSpc>
+            </a:pPr>
             <a:endParaRPr lang="en-US" b="1" dirty="0">
               <a:latin typeface="Slalom Sans Thin" panose="00000200000000000000" pitchFamily="50" charset="0"/>
               <a:ea typeface="Slalom Sans Thin" panose="00000200000000000000" pitchFamily="50" charset="0"/>
@@ -19077,15 +19306,25 @@
             <p:ph idx="1"/>
           </p:nvPr>
         </p:nvSpPr>
-        <p:spPr/>
+        <p:spPr>
+          <a:xfrm>
+            <a:off x="685800" y="2194560"/>
+            <a:ext cx="7840133" cy="4392507"/>
+          </a:xfrm>
+        </p:spPr>
         <p:txBody>
           <a:bodyPr>
-            <a:normAutofit fontScale="92500" lnSpcReduction="10000"/>
+            <a:normAutofit lnSpcReduction="10000"/>
           </a:bodyPr>
           <a:lstStyle/>
           <a:p>
-            <a:r>
-              <a:rPr lang="en-US" b="1" dirty="0">
+            <a:pPr>
+              <a:lnSpc>
+                <a:spcPct val="120000"/>
+              </a:lnSpc>
+            </a:pPr>
+            <a:r>
+              <a:rPr lang="en-US" sz="1600" b="1" dirty="0">
                 <a:latin typeface="Slalom Sans Thin" panose="00000200000000000000" pitchFamily="50" charset="0"/>
                 <a:ea typeface="Slalom Sans Thin" panose="00000200000000000000" pitchFamily="50" charset="0"/>
               </a:rPr>
@@ -19093,9 +19332,13 @@
             </a:r>
           </a:p>
           <a:p>
-            <a:pPr lvl="1"/>
-            <a:r>
-              <a:rPr lang="en-US" b="1" dirty="0">
+            <a:pPr lvl="1">
+              <a:lnSpc>
+                <a:spcPct val="120000"/>
+              </a:lnSpc>
+            </a:pPr>
+            <a:r>
+              <a:rPr lang="en-US" sz="1600" b="1" dirty="0">
                 <a:latin typeface="Slalom Sans Thin" panose="00000200000000000000" pitchFamily="50" charset="0"/>
                 <a:ea typeface="Slalom Sans Thin" panose="00000200000000000000" pitchFamily="50" charset="0"/>
               </a:rPr>
@@ -19103,22 +19346,27 @@
             </a:r>
           </a:p>
           <a:p>
-            <a:r>
-              <a:rPr lang="en-US" b="1" dirty="0">
+            <a:pPr>
+              <a:lnSpc>
+                <a:spcPct val="120000"/>
+              </a:lnSpc>
+            </a:pPr>
+            <a:r>
+              <a:rPr lang="en-US" sz="1600" b="1" dirty="0">
                 <a:latin typeface="Slalom Sans Thin" panose="00000200000000000000" pitchFamily="50" charset="0"/>
                 <a:ea typeface="Slalom Sans Thin" panose="00000200000000000000" pitchFamily="50" charset="0"/>
               </a:rPr>
               <a:t>Leveraging JS </a:t>
             </a:r>
             <a:r>
-              <a:rPr lang="en-US" b="1" i="1" dirty="0">
+              <a:rPr lang="en-US" sz="1600" b="1" i="1" dirty="0">
                 <a:latin typeface="Slalom Sans Thin" panose="00000200000000000000" pitchFamily="50" charset="0"/>
                 <a:ea typeface="Slalom Sans Thin" panose="00000200000000000000" pitchFamily="50" charset="0"/>
               </a:rPr>
               <a:t>dramatically</a:t>
             </a:r>
             <a:r>
-              <a:rPr lang="en-US" b="1" dirty="0">
+              <a:rPr lang="en-US" sz="1600" b="1" dirty="0">
                 <a:latin typeface="Slalom Sans Thin" panose="00000200000000000000" pitchFamily="50" charset="0"/>
                 <a:ea typeface="Slalom Sans Thin" panose="00000200000000000000" pitchFamily="50" charset="0"/>
               </a:rPr>
@@ -19126,18 +19374,27 @@
             </a:r>
           </a:p>
           <a:p>
-            <a:pPr lvl="1"/>
-            <a:r>
-              <a:rPr lang="en-US" b="1" dirty="0">
+            <a:pPr lvl="1">
+              <a:lnSpc>
+                <a:spcPct val="120000"/>
+              </a:lnSpc>
+            </a:pPr>
+            <a:r>
+              <a:rPr lang="en-US" sz="1600" b="1" dirty="0">
                 <a:latin typeface="Slalom Sans Thin" panose="00000200000000000000" pitchFamily="50" charset="0"/>
                 <a:ea typeface="Slalom Sans Thin" panose="00000200000000000000" pitchFamily="50" charset="0"/>
               </a:rPr>
-              <a:t>HTML is old, slow, and clunky and React—through some extremely clever engineering—”virtualizes” components and intelligently decides how to act</a:t>
-            </a:r>
-          </a:p>
-          <a:p>
-            <a:r>
-              <a:rPr lang="en-US" b="1" dirty="0">
+              <a:t>React ”virtualizes” (think side-chain) the DOM (think tree structures) and intelligently decides how to act</a:t>
+            </a:r>
+          </a:p>
+          <a:p>
+            <a:pPr>
+              <a:lnSpc>
+                <a:spcPct val="120000"/>
+              </a:lnSpc>
+            </a:pPr>
+            <a:r>
+              <a:rPr lang="en-US" sz="1600" b="1" dirty="0">
                 <a:latin typeface="Slalom Sans Thin" panose="00000200000000000000" pitchFamily="50" charset="0"/>
                 <a:ea typeface="Slalom Sans Thin" panose="00000200000000000000" pitchFamily="50" charset="0"/>
               </a:rPr>
@@ -19145,9 +19402,13 @@
             </a:r>
           </a:p>
           <a:p>
-            <a:pPr lvl="1"/>
-            <a:r>
-              <a:rPr lang="en-US" b="1" dirty="0">
+            <a:pPr lvl="1">
+              <a:lnSpc>
+                <a:spcPct val="120000"/>
+              </a:lnSpc>
+            </a:pPr>
+            <a:r>
+              <a:rPr lang="en-US" sz="1600" b="1" dirty="0">
                 <a:latin typeface="Slalom Sans Thin" panose="00000200000000000000" pitchFamily="50" charset="0"/>
                 <a:ea typeface="Slalom Sans Thin" panose="00000200000000000000" pitchFamily="50" charset="0"/>
               </a:rPr>
@@ -19155,9 +19416,84 @@
             </a:r>
           </a:p>
           <a:p>
-            <a:pPr lvl="2"/>
-            <a:r>
-              <a:rPr lang="en-US" b="1" dirty="0">
+            <a:pPr lvl="2">
+              <a:lnSpc>
+                <a:spcPct val="120000"/>
+              </a:lnSpc>
+            </a:pPr>
+            <a:r>
+              <a:rPr lang="en-US" sz="1400" b="1" dirty="0">
+                <a:latin typeface="Slalom Sans Thin" panose="00000200000000000000" pitchFamily="50" charset="0"/>
+                <a:ea typeface="Slalom Sans Thin" panose="00000200000000000000" pitchFamily="50" charset="0"/>
+              </a:rPr>
+              <a:t>State management with deterministic outcomes</a:t>
+            </a:r>
+          </a:p>
+          <a:p>
+            <a:pPr lvl="3">
+              <a:lnSpc>
+                <a:spcPct val="120000"/>
+              </a:lnSpc>
+            </a:pPr>
+            <a:r>
+              <a:rPr lang="en-US" sz="1100" b="1" dirty="0">
+                <a:latin typeface="Slalom Sans Thin" panose="00000200000000000000" pitchFamily="50" charset="0"/>
+                <a:ea typeface="Slalom Sans Thin" panose="00000200000000000000" pitchFamily="50" charset="0"/>
+              </a:rPr>
+              <a:t>The general idea is that there are these things called “</a:t>
+            </a:r>
+            <a:r>
+              <a:rPr lang="en-US" sz="1100" b="1" dirty="0">
+                <a:latin typeface="Slalom Sans Thin" panose="00000200000000000000" pitchFamily="50" charset="0"/>
+                <a:ea typeface="Slalom Sans Thin" panose="00000200000000000000" pitchFamily="50" charset="0"/>
+                <a:hlinkClick r:id="rId3"/>
+              </a:rPr>
+              <a:t>pure functions</a:t>
+            </a:r>
+            <a:r>
+              <a:rPr lang="en-US" sz="1100" b="1" dirty="0">
+                <a:latin typeface="Slalom Sans Thin" panose="00000200000000000000" pitchFamily="50" charset="0"/>
+                <a:ea typeface="Slalom Sans Thin" panose="00000200000000000000" pitchFamily="50" charset="0"/>
+              </a:rPr>
+              <a:t>” that prevent “side effects”</a:t>
+            </a:r>
+          </a:p>
+          <a:p>
+            <a:pPr lvl="2">
+              <a:lnSpc>
+                <a:spcPct val="120000"/>
+              </a:lnSpc>
+            </a:pPr>
+            <a:r>
+              <a:rPr lang="en-US" sz="1400" b="1" dirty="0">
+                <a:latin typeface="Slalom Sans Thin" panose="00000200000000000000" pitchFamily="50" charset="0"/>
+                <a:ea typeface="Slalom Sans Thin" panose="00000200000000000000" pitchFamily="50" charset="0"/>
+              </a:rPr>
+              <a:t>Highly-modular and reusable code</a:t>
+            </a:r>
+          </a:p>
+          <a:p>
+            <a:pPr lvl="3">
+              <a:lnSpc>
+                <a:spcPct val="120000"/>
+              </a:lnSpc>
+            </a:pPr>
+            <a:r>
+              <a:rPr lang="en-US" sz="1100" b="1" dirty="0">
+                <a:latin typeface="Slalom Sans Thin" panose="00000200000000000000" pitchFamily="50" charset="0"/>
+                <a:ea typeface="Slalom Sans Thin" panose="00000200000000000000" pitchFamily="50" charset="0"/>
+              </a:rPr>
+              <a:t>Build it once and use it a bunch of times without modification</a:t>
+            </a:r>
+          </a:p>
+          <a:p>
+            <a:pPr lvl="2">
+              <a:lnSpc>
+                <a:spcPct val="120000"/>
+              </a:lnSpc>
+            </a:pPr>
+            <a:r>
+              <a:rPr lang="en-US" sz="1400" b="1" dirty="0">
                 <a:latin typeface="Slalom Sans Thin" panose="00000200000000000000" pitchFamily="50" charset="0"/>
                 <a:ea typeface="Slalom Sans Thin" panose="00000200000000000000" pitchFamily="50" charset="0"/>
               </a:rPr>
@@ -19165,61 +19501,163 @@
             </a:r>
           </a:p>
           <a:p>
-            <a:pPr lvl="2"/>
-            <a:r>
-              <a:rPr lang="en-US" b="1" dirty="0">
+            <a:pPr>
+              <a:lnSpc>
+                <a:spcPct val="120000"/>
+              </a:lnSpc>
+            </a:pPr>
+            <a:r>
+              <a:rPr lang="en-US" sz="1600" b="1" dirty="0">
+                <a:latin typeface="Slalom Sans Thin" panose="00000200000000000000" pitchFamily="50" charset="0"/>
+                <a:ea typeface="Slalom Sans Thin" panose="00000200000000000000" pitchFamily="50" charset="0"/>
+                <a:hlinkClick r:id="rId4"/>
+              </a:rPr>
+              <a:t>React Example</a:t>
+            </a:r>
+            <a:endParaRPr lang="en-US" sz="1600" b="1" dirty="0">
+              <a:latin typeface="Slalom Sans Thin" panose="00000200000000000000" pitchFamily="50" charset="0"/>
+              <a:ea typeface="Slalom Sans Thin" panose="00000200000000000000" pitchFamily="50" charset="0"/>
+            </a:endParaRPr>
+          </a:p>
+        </p:txBody>
+      </p:sp>
+      <p:pic>
+        <p:nvPicPr>
+          <p:cNvPr id="1026" name="Picture 2">
+            <a:extLst>
+              <a:ext uri="{FF2B5EF4-FFF2-40B4-BE49-F238E27FC236}">
+                <a16:creationId xmlns:a16="http://schemas.microsoft.com/office/drawing/2014/main" id="{1B9A9749-8C01-2272-2375-8FACF29CF865}"/>
+              </a:ext>
+            </a:extLst>
+          </p:cNvPr>
+          <p:cNvPicPr>
+            <a:picLocks noChangeAspect="1" noChangeArrowheads="1"/>
+          </p:cNvPicPr>
+          <p:nvPr/>
+        </p:nvPicPr>
+        <p:blipFill>
+          <a:blip r:embed="rId5">
+            <a:extLst>
+              <a:ext uri="{28A0092B-C50C-407E-A947-70E740481C1C}">
+                <a14:useLocalDpi xmlns:a14="http://schemas.microsoft.com/office/drawing/2010/main" val="0"/>
+              </a:ext>
+            </a:extLst>
+          </a:blip>
+          <a:srcRect/>
+          <a:stretch>
+            <a:fillRect/>
+          </a:stretch>
+        </p:blipFill>
+        <p:spPr bwMode="auto">
+          <a:xfrm>
+            <a:off x="8525933" y="1974427"/>
+            <a:ext cx="3236912" cy="3350134"/>
+          </a:xfrm>
+          <a:prstGeom prst="rect">
+            <a:avLst/>
+          </a:prstGeom>
+          <a:noFill/>
+          <a:extLst>
+            <a:ext uri="{909E8E84-426E-40DD-AFC4-6F175D3DCCD1}">
+              <a14:hiddenFill xmlns:a14="http://schemas.microsoft.com/office/drawing/2010/main">
+                <a:solidFill>
+                  <a:srgbClr val="FFFFFF"/>
+                </a:solidFill>
+              </a14:hiddenFill>
+            </a:ext>
+          </a:extLst>
+        </p:spPr>
+      </p:pic>
+      <p:sp>
+        <p:nvSpPr>
+          <p:cNvPr id="4" name="TextBox 3">
+            <a:extLst>
+              <a:ext uri="{FF2B5EF4-FFF2-40B4-BE49-F238E27FC236}">
+                <a16:creationId xmlns:a16="http://schemas.microsoft.com/office/drawing/2014/main" id="{880B2478-D3AF-0AB6-69D3-4C83C4BE74DB}"/>
+              </a:ext>
+            </a:extLst>
+          </p:cNvPr>
+          <p:cNvSpPr txBox="1"/>
+          <p:nvPr/>
+        </p:nvSpPr>
+        <p:spPr>
+          <a:xfrm>
+            <a:off x="8946072" y="5538657"/>
+            <a:ext cx="2716842" cy="938719"/>
+          </a:xfrm>
+          <a:prstGeom prst="rect">
+            <a:avLst/>
+          </a:prstGeom>
+          <a:noFill/>
+        </p:spPr>
+        <p:txBody>
+          <a:bodyPr wrap="square" rtlCol="0">
+            <a:spAutoFit/>
+          </a:bodyPr>
+          <a:lstStyle/>
+          <a:p>
+            <a:r>
+              <a:rPr lang="en-US" sz="1100" b="1" dirty="0">
                 <a:latin typeface="Slalom Sans Thin" panose="00000200000000000000" pitchFamily="50" charset="0"/>
                 <a:ea typeface="Slalom Sans Thin" panose="00000200000000000000" pitchFamily="50" charset="0"/>
               </a:rPr>
-              <a:t>State management with deterministic outcomes</a:t>
-            </a:r>
-          </a:p>
-          <a:p>
-            <a:pPr lvl="3"/>
-            <a:r>
-              <a:rPr lang="en-US" b="1" dirty="0">
+              <a:t>The </a:t>
+            </a:r>
+            <a:r>
+              <a:rPr lang="en-US" sz="1100" dirty="0" err="1">
                 <a:latin typeface="Slalom Sans Thin" panose="00000200000000000000" pitchFamily="50" charset="0"/>
                 <a:ea typeface="Slalom Sans Thin" panose="00000200000000000000" pitchFamily="50" charset="0"/>
               </a:rPr>
-              <a:t>The general idea is that there are these things called “pure functions” that prevent “side effects”</a:t>
-            </a:r>
-          </a:p>
-          <a:p>
-            <a:pPr lvl="2"/>
-            <a:r>
-              <a:rPr lang="en-US" b="1" dirty="0">
+              <a:t>Documen</a:t>
+            </a:r>
+            <a:r>
+              <a:rPr lang="en-US" sz="1100" dirty="0">
                 <a:latin typeface="Slalom Sans Thin" panose="00000200000000000000" pitchFamily="50" charset="0"/>
                 <a:ea typeface="Slalom Sans Thin" panose="00000200000000000000" pitchFamily="50" charset="0"/>
               </a:rPr>
-              <a:t>Highly-modular and reusable code</a:t>
-            </a:r>
-          </a:p>
-          <a:p>
-            <a:pPr lvl="3"/>
-            <a:r>
-              <a:rPr lang="en-US" b="1" dirty="0">
+              <a:t> Object Model (DOM)</a:t>
+            </a:r>
+            <a:r>
+              <a:rPr lang="en-US" sz="1100" b="1" dirty="0">
                 <a:latin typeface="Slalom Sans Thin" panose="00000200000000000000" pitchFamily="50" charset="0"/>
                 <a:ea typeface="Slalom Sans Thin" panose="00000200000000000000" pitchFamily="50" charset="0"/>
               </a:rPr>
-              <a:t>Build it once and use it a bunch of times without modification</a:t>
-            </a:r>
-          </a:p>
-          <a:p>
-            <a:r>
-              <a:rPr lang="en-US" b="1" dirty="0">
-                <a:latin typeface="Slalom Sans Thin" panose="00000200000000000000" pitchFamily="50" charset="0"/>
-                <a:ea typeface="Slalom Sans Thin" panose="00000200000000000000" pitchFamily="50" charset="0"/>
-                <a:hlinkClick r:id="rId3"/>
-              </a:rPr>
-              <a:t>React Example</a:t>
-            </a:r>
-            <a:endParaRPr lang="en-US" b="1" dirty="0">
-              <a:latin typeface="Slalom Sans Thin" panose="00000200000000000000" pitchFamily="50" charset="0"/>
-              <a:ea typeface="Slalom Sans Thin" panose="00000200000000000000" pitchFamily="50" charset="0"/>
-            </a:endParaRPr>
-          </a:p>
-        </p:txBody>
-      </p:sp>
+              <a:t> is the basis of the HTML-based web.  However, operations on the DOM are expensive, so React does whatever processing it can outside of the DOM.</a:t>
+            </a:r>
+            <a:endParaRPr lang="en-US" sz="1100" dirty="0"/>
+          </a:p>
+        </p:txBody>
+      </p:sp>
+      <p:pic>
+        <p:nvPicPr>
+          <p:cNvPr id="6" name="Picture 5">
+            <a:extLst>
+              <a:ext uri="{FF2B5EF4-FFF2-40B4-BE49-F238E27FC236}">
+                <a16:creationId xmlns:a16="http://schemas.microsoft.com/office/drawing/2014/main" id="{C4AC5FCA-4C2F-CEAA-AA35-CB539470088E}"/>
+              </a:ext>
+            </a:extLst>
+          </p:cNvPr>
+          <p:cNvPicPr>
+            <a:picLocks noChangeAspect="1"/>
+          </p:cNvPicPr>
+          <p:nvPr/>
+        </p:nvPicPr>
+        <p:blipFill>
+          <a:blip r:embed="rId6"/>
+          <a:stretch>
+            <a:fillRect/>
+          </a:stretch>
+        </p:blipFill>
+        <p:spPr>
+          <a:xfrm>
+            <a:off x="10533217" y="1889727"/>
+            <a:ext cx="1324117" cy="1101707"/>
+          </a:xfrm>
+          <a:prstGeom prst="rect">
+            <a:avLst/>
+          </a:prstGeom>
+        </p:spPr>
+      </p:pic>
     </p:spTree>
     <p:extLst>
       <p:ext uri="{BB962C8B-B14F-4D97-AF65-F5344CB8AC3E}">
@@ -19278,6 +19716,23 @@
               </a:rPr>
               <a:t>Why Use These Together?</a:t>
             </a:r>
+            <a:br>
+              <a:rPr lang="en-US" b="1" dirty="0">
+                <a:latin typeface="Slalom Sans Thin" panose="00000200000000000000" pitchFamily="50" charset="0"/>
+                <a:ea typeface="Slalom Sans Thin" panose="00000200000000000000" pitchFamily="50" charset="0"/>
+              </a:rPr>
+            </a:br>
+            <a:r>
+              <a:rPr lang="en-US" sz="1600" b="1" dirty="0">
+                <a:latin typeface="Slalom Sans Thin" panose="00000200000000000000" pitchFamily="50" charset="0"/>
+                <a:ea typeface="Slalom Sans Thin" panose="00000200000000000000" pitchFamily="50" charset="0"/>
+              </a:rPr>
+              <a:t>A High-Level Overview</a:t>
+            </a:r>
+            <a:endParaRPr lang="en-US" b="1" dirty="0">
+              <a:latin typeface="Slalom Sans Thin" panose="00000200000000000000" pitchFamily="50" charset="0"/>
+              <a:ea typeface="Slalom Sans Thin" panose="00000200000000000000" pitchFamily="50" charset="0"/>
+            </a:endParaRPr>
           </a:p>
         </p:txBody>
       </p:sp>
@@ -19300,194 +19755,263 @@
         <p:spPr>
           <a:xfrm>
             <a:off x="685800" y="2194560"/>
-            <a:ext cx="10820400" cy="4392507"/>
+            <a:ext cx="8320177" cy="4392507"/>
           </a:xfrm>
         </p:spPr>
         <p:txBody>
           <a:bodyPr>
-            <a:normAutofit fontScale="85000" lnSpcReduction="20000"/>
+            <a:normAutofit fontScale="77500" lnSpcReduction="20000"/>
           </a:bodyPr>
           <a:lstStyle/>
           <a:p>
+            <a:pPr>
+              <a:lnSpc>
+                <a:spcPct val="120000"/>
+              </a:lnSpc>
+            </a:pPr>
+            <a:r>
+              <a:rPr lang="en-US" b="1" dirty="0" err="1">
+                <a:latin typeface="Slalom Sans Thin" panose="00000200000000000000" pitchFamily="50" charset="0"/>
+                <a:ea typeface="Slalom Sans Thin" panose="00000200000000000000" pitchFamily="50" charset="0"/>
+              </a:rPr>
+              <a:t>PowerBI</a:t>
+            </a:r>
             <a:r>
               <a:rPr lang="en-US" b="1" dirty="0">
                 <a:latin typeface="Slalom Sans Thin" panose="00000200000000000000" pitchFamily="50" charset="0"/>
                 <a:ea typeface="Slalom Sans Thin" panose="00000200000000000000" pitchFamily="50" charset="0"/>
               </a:rPr>
-              <a:t>All of the familiar Software Engineering paradigms and workflows still apply</a:t>
-            </a:r>
-          </a:p>
-          <a:p>
-            <a:pPr lvl="1"/>
+              <a:t> covers most of the visualization basics, but it’s still (mostly) just the basics.</a:t>
+            </a:r>
+          </a:p>
+          <a:p>
+            <a:pPr lvl="1">
+              <a:lnSpc>
+                <a:spcPct val="120000"/>
+              </a:lnSpc>
+            </a:pPr>
             <a:r>
               <a:rPr lang="en-US" b="1" dirty="0">
                 <a:latin typeface="Slalom Sans Thin" panose="00000200000000000000" pitchFamily="50" charset="0"/>
                 <a:ea typeface="Slalom Sans Thin" panose="00000200000000000000" pitchFamily="50" charset="0"/>
               </a:rPr>
-              <a:t>Unit testing</a:t>
-            </a:r>
-          </a:p>
-          <a:p>
-            <a:pPr lvl="1"/>
+              <a:t>Bar charts, line, pie, table, etc.</a:t>
+            </a:r>
+          </a:p>
+          <a:p>
+            <a:pPr>
+              <a:lnSpc>
+                <a:spcPct val="120000"/>
+              </a:lnSpc>
+            </a:pPr>
             <a:r>
               <a:rPr lang="en-US" b="1" dirty="0">
                 <a:latin typeface="Slalom Sans Thin" panose="00000200000000000000" pitchFamily="50" charset="0"/>
                 <a:ea typeface="Slalom Sans Thin" panose="00000200000000000000" pitchFamily="50" charset="0"/>
               </a:rPr>
-              <a:t>Separation of concerns</a:t>
-            </a:r>
-          </a:p>
-          <a:p>
-            <a:pPr lvl="1"/>
+              <a:t>Microsoft is likely to continue to be a dominant player in data and visualization</a:t>
+            </a:r>
+          </a:p>
+          <a:p>
+            <a:pPr lvl="1">
+              <a:lnSpc>
+                <a:spcPct val="120000"/>
+              </a:lnSpc>
+            </a:pPr>
             <a:r>
               <a:rPr lang="en-US" b="1" dirty="0">
                 <a:latin typeface="Slalom Sans Thin" panose="00000200000000000000" pitchFamily="50" charset="0"/>
                 <a:ea typeface="Slalom Sans Thin" panose="00000200000000000000" pitchFamily="50" charset="0"/>
               </a:rPr>
-              <a:t>Composability</a:t>
-            </a:r>
-          </a:p>
-          <a:p>
-            <a:pPr lvl="1"/>
+              <a:t>Azure / Cloud</a:t>
+            </a:r>
+          </a:p>
+          <a:p>
+            <a:pPr lvl="1">
+              <a:lnSpc>
+                <a:spcPct val="120000"/>
+              </a:lnSpc>
+            </a:pPr>
             <a:r>
               <a:rPr lang="en-US" b="1" dirty="0">
                 <a:latin typeface="Slalom Sans Thin" panose="00000200000000000000" pitchFamily="50" charset="0"/>
                 <a:ea typeface="Slalom Sans Thin" panose="00000200000000000000" pitchFamily="50" charset="0"/>
               </a:rPr>
-              <a:t>Reusability</a:t>
-            </a:r>
-          </a:p>
-          <a:p>
-            <a:pPr lvl="1"/>
+              <a:t>Mobile devices</a:t>
+            </a:r>
+          </a:p>
+          <a:p>
+            <a:pPr lvl="1">
+              <a:lnSpc>
+                <a:spcPct val="120000"/>
+              </a:lnSpc>
+            </a:pPr>
             <a:r>
               <a:rPr lang="en-US" b="1" dirty="0">
                 <a:latin typeface="Slalom Sans Thin" panose="00000200000000000000" pitchFamily="50" charset="0"/>
                 <a:ea typeface="Slalom Sans Thin" panose="00000200000000000000" pitchFamily="50" charset="0"/>
               </a:rPr>
-              <a:t>Etc.</a:t>
-            </a:r>
-          </a:p>
-          <a:p>
+              <a:t>Augment reality</a:t>
+            </a:r>
+          </a:p>
+          <a:p>
+            <a:pPr>
+              <a:lnSpc>
+                <a:spcPct val="120000"/>
+              </a:lnSpc>
+            </a:pPr>
             <a:r>
               <a:rPr lang="en-US" b="1" dirty="0">
                 <a:latin typeface="Slalom Sans Thin" panose="00000200000000000000" pitchFamily="50" charset="0"/>
                 <a:ea typeface="Slalom Sans Thin" panose="00000200000000000000" pitchFamily="50" charset="0"/>
               </a:rPr>
-              <a:t>All of the data pipelines and visualizations processes remain identical</a:t>
-            </a:r>
-          </a:p>
-          <a:p>
-            <a:pPr lvl="1"/>
+              <a:t>Data Science digestion can be difficult, and is greatly aided by visualization capabilities</a:t>
+            </a:r>
+          </a:p>
+          <a:p>
+            <a:pPr lvl="1">
+              <a:lnSpc>
+                <a:spcPct val="120000"/>
+              </a:lnSpc>
+            </a:pPr>
+            <a:r>
+              <a:rPr lang="en-US" b="1" dirty="0" err="1">
+                <a:latin typeface="Slalom Sans Thin" panose="00000200000000000000" pitchFamily="50" charset="0"/>
+                <a:ea typeface="Slalom Sans Thin" panose="00000200000000000000" pitchFamily="50" charset="0"/>
+              </a:rPr>
+              <a:t>PowerBI</a:t>
+            </a:r>
             <a:r>
               <a:rPr lang="en-US" b="1" dirty="0">
                 <a:latin typeface="Slalom Sans Thin" panose="00000200000000000000" pitchFamily="50" charset="0"/>
                 <a:ea typeface="Slalom Sans Thin" panose="00000200000000000000" pitchFamily="50" charset="0"/>
               </a:rPr>
-              <a:t>ETL processes and ingestion</a:t>
-            </a:r>
-          </a:p>
-          <a:p>
-            <a:pPr lvl="1"/>
+              <a:t> does not serve complex visualizations directly</a:t>
+            </a:r>
+          </a:p>
+          <a:p>
+            <a:pPr>
+              <a:lnSpc>
+                <a:spcPct val="120000"/>
+              </a:lnSpc>
+            </a:pPr>
             <a:r>
               <a:rPr lang="en-US" b="1" dirty="0">
                 <a:latin typeface="Slalom Sans Thin" panose="00000200000000000000" pitchFamily="50" charset="0"/>
                 <a:ea typeface="Slalom Sans Thin" panose="00000200000000000000" pitchFamily="50" charset="0"/>
               </a:rPr>
-              <a:t>DAX/</a:t>
-            </a:r>
-            <a:r>
-              <a:rPr lang="en-US" b="1" dirty="0" err="1">
+              <a:t>You can bring the Web to PBI, </a:t>
+            </a:r>
+            <a:r>
+              <a:rPr lang="en-US" b="1" i="1" dirty="0">
                 <a:latin typeface="Slalom Sans Thin" panose="00000200000000000000" pitchFamily="50" charset="0"/>
                 <a:ea typeface="Slalom Sans Thin" panose="00000200000000000000" pitchFamily="50" charset="0"/>
               </a:rPr>
-              <a:t>PowerQuery</a:t>
-            </a:r>
-            <a:endParaRPr lang="en-US" b="1" dirty="0">
-              <a:latin typeface="Slalom Sans Thin" panose="00000200000000000000" pitchFamily="50" charset="0"/>
-              <a:ea typeface="Slalom Sans Thin" panose="00000200000000000000" pitchFamily="50" charset="0"/>
-            </a:endParaRPr>
-          </a:p>
-          <a:p>
-            <a:pPr lvl="2"/>
+              <a:t>dramatically</a:t>
+            </a:r>
             <a:r>
               <a:rPr lang="en-US" b="1" dirty="0">
                 <a:latin typeface="Slalom Sans Thin" panose="00000200000000000000" pitchFamily="50" charset="0"/>
                 <a:ea typeface="Slalom Sans Thin" panose="00000200000000000000" pitchFamily="50" charset="0"/>
               </a:rPr>
-              <a:t>Measures, relationships, </a:t>
-            </a:r>
-            <a:r>
-              <a:rPr lang="en-US" b="1" dirty="0" err="1">
-                <a:latin typeface="Slalom Sans Thin" panose="00000200000000000000" pitchFamily="50" charset="0"/>
-                <a:ea typeface="Slalom Sans Thin" panose="00000200000000000000" pitchFamily="50" charset="0"/>
-              </a:rPr>
-              <a:t>Mquery</a:t>
-            </a:r>
+              <a:t> enhancing its capabilities</a:t>
+            </a:r>
+          </a:p>
+          <a:p>
+            <a:pPr lvl="1">
+              <a:lnSpc>
+                <a:spcPct val="120000"/>
+              </a:lnSpc>
+            </a:pPr>
             <a:r>
               <a:rPr lang="en-US" b="1" dirty="0">
                 <a:latin typeface="Slalom Sans Thin" panose="00000200000000000000" pitchFamily="50" charset="0"/>
                 <a:ea typeface="Slalom Sans Thin" panose="00000200000000000000" pitchFamily="50" charset="0"/>
               </a:rPr>
-              <a:t>, etc.</a:t>
-            </a:r>
-          </a:p>
-          <a:p>
-            <a:pPr lvl="1"/>
-            <a:r>
-              <a:rPr lang="en-US" b="1" dirty="0">
-                <a:latin typeface="Slalom Sans Thin" panose="00000200000000000000" pitchFamily="50" charset="0"/>
-                <a:ea typeface="Slalom Sans Thin" panose="00000200000000000000" pitchFamily="50" charset="0"/>
+              <a:t>As blockchain technology matures, JS interfacing can empower connectivity between Web 2.0 &amp; 3.0</a:t>
+            </a:r>
+          </a:p>
+        </p:txBody>
+      </p:sp>
+      <p:pic>
+        <p:nvPicPr>
+          <p:cNvPr id="5" name="Picture 4">
+            <a:extLst>
+              <a:ext uri="{FF2B5EF4-FFF2-40B4-BE49-F238E27FC236}">
+                <a16:creationId xmlns:a16="http://schemas.microsoft.com/office/drawing/2014/main" id="{FE5BC4CB-B38B-2C47-0CD3-0E7FF6531A22}"/>
+              </a:ext>
+            </a:extLst>
+          </p:cNvPr>
+          <p:cNvPicPr>
+            <a:picLocks noChangeAspect="1"/>
+          </p:cNvPicPr>
+          <p:nvPr/>
+        </p:nvPicPr>
+        <p:blipFill>
+          <a:blip r:embed="rId2"/>
+          <a:stretch>
+            <a:fillRect/>
+          </a:stretch>
+        </p:blipFill>
+        <p:spPr>
+          <a:xfrm>
+            <a:off x="9312406" y="2194560"/>
+            <a:ext cx="2400635" cy="2619741"/>
+          </a:xfrm>
+          <a:prstGeom prst="rect">
+            <a:avLst/>
+          </a:prstGeom>
+        </p:spPr>
+      </p:pic>
+      <p:sp>
+        <p:nvSpPr>
+          <p:cNvPr id="6" name="TextBox 5">
+            <a:extLst>
+              <a:ext uri="{FF2B5EF4-FFF2-40B4-BE49-F238E27FC236}">
+                <a16:creationId xmlns:a16="http://schemas.microsoft.com/office/drawing/2014/main" id="{8E647CB8-477D-0230-3A3C-6BAB9A2FAADD}"/>
+              </a:ext>
+            </a:extLst>
+          </p:cNvPr>
+          <p:cNvSpPr txBox="1"/>
+          <p:nvPr/>
+        </p:nvSpPr>
+        <p:spPr>
+          <a:xfrm>
+            <a:off x="9672289" y="4951460"/>
+            <a:ext cx="1930686" cy="600164"/>
+          </a:xfrm>
+          <a:prstGeom prst="rect">
+            <a:avLst/>
+          </a:prstGeom>
+          <a:noFill/>
+        </p:spPr>
+        <p:txBody>
+          <a:bodyPr wrap="square" rtlCol="0">
+            <a:spAutoFit/>
+          </a:bodyPr>
+          <a:lstStyle/>
+          <a:p>
+            <a:pPr algn="ctr"/>
+            <a:r>
+              <a:rPr lang="en-US" sz="1100" dirty="0">
+                <a:latin typeface="Slalom Sans Light" panose="00000400000000000000" pitchFamily="50" charset="0"/>
+                <a:ea typeface="Slalom Sans Light" panose="00000400000000000000" pitchFamily="50" charset="0"/>
               </a:rPr>
-              <a:t>Data visualizations</a:t>
-            </a:r>
-          </a:p>
-          <a:p>
-            <a:pPr lvl="1"/>
-            <a:r>
-              <a:rPr lang="en-US" b="1" dirty="0">
-                <a:latin typeface="Slalom Sans Thin" panose="00000200000000000000" pitchFamily="50" charset="0"/>
-                <a:ea typeface="Slalom Sans Thin" panose="00000200000000000000" pitchFamily="50" charset="0"/>
+              <a:t>Catalog of the visuals provided by </a:t>
+            </a:r>
+            <a:r>
+              <a:rPr lang="en-US" sz="1100" dirty="0" err="1">
+                <a:latin typeface="Slalom Sans Light" panose="00000400000000000000" pitchFamily="50" charset="0"/>
+                <a:ea typeface="Slalom Sans Light" panose="00000400000000000000" pitchFamily="50" charset="0"/>
               </a:rPr>
-              <a:t>Etc.</a:t>
-            </a:r>
-          </a:p>
-          <a:p>
-            <a:r>
-              <a:rPr lang="en-US" b="1" dirty="0">
-                <a:latin typeface="Slalom Sans Thin" panose="00000200000000000000" pitchFamily="50" charset="0"/>
-                <a:ea typeface="Slalom Sans Thin" panose="00000200000000000000" pitchFamily="50" charset="0"/>
+              <a:t>PowerBI</a:t>
+            </a:r>
+            <a:r>
+              <a:rPr lang="en-US" sz="1100" dirty="0">
+                <a:latin typeface="Slalom Sans Light" panose="00000400000000000000" pitchFamily="50" charset="0"/>
+                <a:ea typeface="Slalom Sans Light" panose="00000400000000000000" pitchFamily="50" charset="0"/>
               </a:rPr>
-              <a:t>Salient Point:</a:t>
-            </a:r>
-          </a:p>
-          <a:p>
-            <a:pPr lvl="1"/>
-            <a:r>
-              <a:rPr lang="en-US" b="1" dirty="0">
-                <a:latin typeface="Slalom Sans Thin" panose="00000200000000000000" pitchFamily="50" charset="0"/>
-                <a:ea typeface="Slalom Sans Thin" panose="00000200000000000000" pitchFamily="50" charset="0"/>
-              </a:rPr>
-              <a:t>You basically get the best of both worlds, without any meaningful tradeoffs</a:t>
-            </a:r>
-          </a:p>
-          <a:p>
-            <a:pPr lvl="2"/>
-            <a:r>
-              <a:rPr lang="en-US" b="1" dirty="0">
-                <a:latin typeface="Slalom Sans Thin" panose="00000200000000000000" pitchFamily="50" charset="0"/>
-                <a:ea typeface="Slalom Sans Thin" panose="00000200000000000000" pitchFamily="50" charset="0"/>
-              </a:rPr>
-              <a:t>Software practices ensure production-grade code and reliability</a:t>
-            </a:r>
-          </a:p>
-          <a:p>
-            <a:pPr lvl="2"/>
-            <a:r>
-              <a:rPr lang="en-US" b="1" dirty="0">
-                <a:latin typeface="Slalom Sans Thin" panose="00000200000000000000" pitchFamily="50" charset="0"/>
-                <a:ea typeface="Slalom Sans Thin" panose="00000200000000000000" pitchFamily="50" charset="0"/>
-              </a:rPr>
-              <a:t>Data practices ensure production-grade data pipelines and transformations</a:t>
+              <a:t> out-of-the-box.</a:t>
             </a:r>
           </a:p>
         </p:txBody>
@@ -19495,7 +20019,7 @@
     </p:spTree>
     <p:extLst>
       <p:ext uri="{BB962C8B-B14F-4D97-AF65-F5344CB8AC3E}">
-        <p14:creationId xmlns:p14="http://schemas.microsoft.com/office/powerpoint/2010/main" val="3306039657"/>
+        <p14:creationId xmlns:p14="http://schemas.microsoft.com/office/powerpoint/2010/main" val="235753825"/>
       </p:ext>
     </p:extLst>
   </p:cSld>
@@ -19540,7 +20064,9 @@
         </p:nvSpPr>
         <p:spPr/>
         <p:txBody>
-          <a:bodyPr/>
+          <a:bodyPr>
+            <a:normAutofit/>
+          </a:bodyPr>
           <a:lstStyle/>
           <a:p>
             <a:r>
@@ -19549,6 +20075,19 @@
                 <a:ea typeface="Slalom Sans Thin" panose="00000200000000000000" pitchFamily="50" charset="0"/>
               </a:rPr>
               <a:t>Why Use These Together?</a:t>
+            </a:r>
+            <a:br>
+              <a:rPr lang="en-US" b="1" dirty="0">
+                <a:latin typeface="Slalom Sans Thin" panose="00000200000000000000" pitchFamily="50" charset="0"/>
+                <a:ea typeface="Slalom Sans Thin" panose="00000200000000000000" pitchFamily="50" charset="0"/>
+              </a:rPr>
+            </a:br>
+            <a:r>
+              <a:rPr lang="en-US" sz="1800" b="1" dirty="0">
+                <a:latin typeface="Slalom Sans Thin" panose="00000200000000000000" pitchFamily="50" charset="0"/>
+                <a:ea typeface="Slalom Sans Thin" panose="00000200000000000000" pitchFamily="50" charset="0"/>
+              </a:rPr>
+              <a:t>A Slightly Less-High-Level Overview</a:t>
             </a:r>
           </a:p>
         </p:txBody>
@@ -19572,10 +20111,15 @@
         <p:spPr/>
         <p:txBody>
           <a:bodyPr>
-            <a:normAutofit lnSpcReduction="10000"/>
+            <a:normAutofit fontScale="92500" lnSpcReduction="20000"/>
           </a:bodyPr>
           <a:lstStyle/>
           <a:p>
+            <a:pPr>
+              <a:lnSpc>
+                <a:spcPct val="110000"/>
+              </a:lnSpc>
+            </a:pPr>
             <a:r>
               <a:rPr lang="en-US" b="1" dirty="0" err="1">
                 <a:latin typeface="Slalom Sans Thin" panose="00000200000000000000" pitchFamily="50" charset="0"/>
@@ -19589,17 +20133,25 @@
             </a:endParaRPr>
           </a:p>
           <a:p>
-            <a:pPr lvl="1"/>
+            <a:pPr lvl="1">
+              <a:lnSpc>
+                <a:spcPct val="110000"/>
+              </a:lnSpc>
+            </a:pPr>
             <a:r>
               <a:rPr lang="en-US" b="1" dirty="0">
                 <a:latin typeface="Slalom Sans Thin" panose="00000200000000000000" pitchFamily="50" charset="0"/>
                 <a:ea typeface="Slalom Sans Thin" panose="00000200000000000000" pitchFamily="50" charset="0"/>
               </a:rPr>
-              <a:t>Handles all of the data side</a:t>
-            </a:r>
-          </a:p>
-          <a:p>
-            <a:pPr lvl="2"/>
+              <a:t>Handles all of the data side facilitation</a:t>
+            </a:r>
+          </a:p>
+          <a:p>
+            <a:pPr lvl="2">
+              <a:lnSpc>
+                <a:spcPct val="110000"/>
+              </a:lnSpc>
+            </a:pPr>
             <a:r>
               <a:rPr lang="en-US" b="1" dirty="0">
                 <a:latin typeface="Slalom Sans Thin" panose="00000200000000000000" pitchFamily="50" charset="0"/>
@@ -19609,7 +20161,11 @@
             </a:r>
           </a:p>
           <a:p>
-            <a:pPr lvl="2"/>
+            <a:pPr lvl="2">
+              <a:lnSpc>
+                <a:spcPct val="110000"/>
+              </a:lnSpc>
+            </a:pPr>
             <a:r>
               <a:rPr lang="en-US" b="1" dirty="0">
                 <a:latin typeface="Slalom Sans Thin" panose="00000200000000000000" pitchFamily="50" charset="0"/>
@@ -19619,7 +20175,11 @@
             </a:r>
           </a:p>
           <a:p>
-            <a:pPr lvl="1"/>
+            <a:pPr lvl="1">
+              <a:lnSpc>
+                <a:spcPct val="110000"/>
+              </a:lnSpc>
+            </a:pPr>
             <a:r>
               <a:rPr lang="en-US" b="1" dirty="0">
                 <a:latin typeface="Slalom Sans Thin" panose="00000200000000000000" pitchFamily="50" charset="0"/>
@@ -19629,7 +20189,11 @@
             </a:r>
           </a:p>
           <a:p>
-            <a:pPr lvl="2"/>
+            <a:pPr lvl="2">
+              <a:lnSpc>
+                <a:spcPct val="110000"/>
+              </a:lnSpc>
+            </a:pPr>
             <a:r>
               <a:rPr lang="en-US" b="1" dirty="0">
                 <a:latin typeface="Slalom Sans Thin" panose="00000200000000000000" pitchFamily="50" charset="0"/>
@@ -19639,6 +20203,11 @@
             </a:r>
           </a:p>
           <a:p>
+            <a:pPr>
+              <a:lnSpc>
+                <a:spcPct val="110000"/>
+              </a:lnSpc>
+            </a:pPr>
             <a:r>
               <a:rPr lang="en-US" b="1" dirty="0">
                 <a:latin typeface="Slalom Sans Thin" panose="00000200000000000000" pitchFamily="50" charset="0"/>
@@ -19648,7 +20217,11 @@
             </a:r>
           </a:p>
           <a:p>
-            <a:pPr lvl="1"/>
+            <a:pPr lvl="1">
+              <a:lnSpc>
+                <a:spcPct val="110000"/>
+              </a:lnSpc>
+            </a:pPr>
             <a:r>
               <a:rPr lang="en-US" b="1" dirty="0">
                 <a:latin typeface="Slalom Sans Thin" panose="00000200000000000000" pitchFamily="50" charset="0"/>
@@ -19672,6 +20245,11 @@
             </a:r>
           </a:p>
           <a:p>
+            <a:pPr>
+              <a:lnSpc>
+                <a:spcPct val="110000"/>
+              </a:lnSpc>
+            </a:pPr>
             <a:r>
               <a:rPr lang="en-US" b="1" dirty="0">
                 <a:latin typeface="Slalom Sans Thin" panose="00000200000000000000" pitchFamily="50" charset="0"/>
@@ -19681,7 +20259,11 @@
             </a:r>
           </a:p>
           <a:p>
-            <a:pPr lvl="1"/>
+            <a:pPr lvl="1">
+              <a:lnSpc>
+                <a:spcPct val="110000"/>
+              </a:lnSpc>
+            </a:pPr>
             <a:r>
               <a:rPr lang="en-US" b="1" dirty="0">
                 <a:latin typeface="Slalom Sans Thin" panose="00000200000000000000" pitchFamily="50" charset="0"/>
@@ -19691,7 +20273,11 @@
             </a:r>
           </a:p>
           <a:p>
-            <a:pPr lvl="1"/>
+            <a:pPr lvl="1">
+              <a:lnSpc>
+                <a:spcPct val="110000"/>
+              </a:lnSpc>
+            </a:pPr>
             <a:r>
               <a:rPr lang="en-US" b="1" dirty="0">
                 <a:latin typeface="Slalom Sans Thin" panose="00000200000000000000" pitchFamily="50" charset="0"/>
@@ -19701,7 +20287,11 @@
             </a:r>
           </a:p>
           <a:p>
-            <a:pPr lvl="1"/>
+            <a:pPr lvl="1">
+              <a:lnSpc>
+                <a:spcPct val="110000"/>
+              </a:lnSpc>
+            </a:pPr>
             <a:r>
               <a:rPr lang="en-US" b="1" dirty="0">
                 <a:latin typeface="Slalom Sans Thin" panose="00000200000000000000" pitchFamily="50" charset="0"/>
@@ -19747,6 +20337,374 @@
           <p:cNvPr id="2" name="Title 1">
             <a:extLst>
               <a:ext uri="{FF2B5EF4-FFF2-40B4-BE49-F238E27FC236}">
+                <a16:creationId xmlns:a16="http://schemas.microsoft.com/office/drawing/2014/main" id="{ED478602-91BB-90E9-C2CB-D8CB1C443D10}"/>
+              </a:ext>
+            </a:extLst>
+          </p:cNvPr>
+          <p:cNvSpPr>
+            <a:spLocks noGrp="1"/>
+          </p:cNvSpPr>
+          <p:nvPr>
+            <p:ph type="title"/>
+          </p:nvPr>
+        </p:nvSpPr>
+        <p:spPr/>
+        <p:txBody>
+          <a:bodyPr>
+            <a:normAutofit/>
+          </a:bodyPr>
+          <a:lstStyle/>
+          <a:p>
+            <a:r>
+              <a:rPr lang="en-US" b="1" dirty="0">
+                <a:latin typeface="Slalom Sans Thin" panose="00000200000000000000" pitchFamily="50" charset="0"/>
+                <a:ea typeface="Slalom Sans Thin" panose="00000200000000000000" pitchFamily="50" charset="0"/>
+              </a:rPr>
+              <a:t>Why Use These Together?</a:t>
+            </a:r>
+            <a:br>
+              <a:rPr lang="en-US" b="1" dirty="0">
+                <a:latin typeface="Slalom Sans Thin" panose="00000200000000000000" pitchFamily="50" charset="0"/>
+                <a:ea typeface="Slalom Sans Thin" panose="00000200000000000000" pitchFamily="50" charset="0"/>
+              </a:rPr>
+            </a:br>
+            <a:r>
+              <a:rPr lang="en-US" sz="1800" b="1" dirty="0">
+                <a:latin typeface="Slalom Sans Thin" panose="00000200000000000000" pitchFamily="50" charset="0"/>
+                <a:ea typeface="Slalom Sans Thin" panose="00000200000000000000" pitchFamily="50" charset="0"/>
+              </a:rPr>
+              <a:t>AN even </a:t>
+            </a:r>
+            <a:r>
+              <a:rPr lang="en-US" sz="1800" b="1" dirty="0" err="1">
+                <a:latin typeface="Slalom Sans Thin" panose="00000200000000000000" pitchFamily="50" charset="0"/>
+                <a:ea typeface="Slalom Sans Thin" panose="00000200000000000000" pitchFamily="50" charset="0"/>
+              </a:rPr>
+              <a:t>Slightlier</a:t>
+            </a:r>
+            <a:r>
+              <a:rPr lang="en-US" sz="1800" b="1" dirty="0">
+                <a:latin typeface="Slalom Sans Thin" panose="00000200000000000000" pitchFamily="50" charset="0"/>
+                <a:ea typeface="Slalom Sans Thin" panose="00000200000000000000" pitchFamily="50" charset="0"/>
+              </a:rPr>
+              <a:t> Less-High-Level Overview</a:t>
+            </a:r>
+          </a:p>
+        </p:txBody>
+      </p:sp>
+      <p:sp>
+        <p:nvSpPr>
+          <p:cNvPr id="3" name="Content Placeholder 2">
+            <a:extLst>
+              <a:ext uri="{FF2B5EF4-FFF2-40B4-BE49-F238E27FC236}">
+                <a16:creationId xmlns:a16="http://schemas.microsoft.com/office/drawing/2014/main" id="{3114DA36-E882-4D9C-4CC9-4CC14D65C766}"/>
+              </a:ext>
+            </a:extLst>
+          </p:cNvPr>
+          <p:cNvSpPr>
+            <a:spLocks noGrp="1"/>
+          </p:cNvSpPr>
+          <p:nvPr>
+            <p:ph idx="1"/>
+          </p:nvPr>
+        </p:nvSpPr>
+        <p:spPr>
+          <a:xfrm>
+            <a:off x="685800" y="2194560"/>
+            <a:ext cx="10820400" cy="4392507"/>
+          </a:xfrm>
+        </p:spPr>
+        <p:txBody>
+          <a:bodyPr>
+            <a:normAutofit fontScale="62500" lnSpcReduction="20000"/>
+          </a:bodyPr>
+          <a:lstStyle/>
+          <a:p>
+            <a:pPr>
+              <a:lnSpc>
+                <a:spcPct val="120000"/>
+              </a:lnSpc>
+            </a:pPr>
+            <a:r>
+              <a:rPr lang="en-US" b="1" dirty="0">
+                <a:latin typeface="Slalom Sans Thin" panose="00000200000000000000" pitchFamily="50" charset="0"/>
+                <a:ea typeface="Slalom Sans Thin" panose="00000200000000000000" pitchFamily="50" charset="0"/>
+              </a:rPr>
+              <a:t>All of the familiar Software Engineering paradigms and workflows still apply</a:t>
+            </a:r>
+          </a:p>
+          <a:p>
+            <a:pPr lvl="1">
+              <a:lnSpc>
+                <a:spcPct val="120000"/>
+              </a:lnSpc>
+            </a:pPr>
+            <a:r>
+              <a:rPr lang="en-US" b="1" dirty="0">
+                <a:latin typeface="Slalom Sans Thin" panose="00000200000000000000" pitchFamily="50" charset="0"/>
+                <a:ea typeface="Slalom Sans Thin" panose="00000200000000000000" pitchFamily="50" charset="0"/>
+              </a:rPr>
+              <a:t>Unit testing</a:t>
+            </a:r>
+          </a:p>
+          <a:p>
+            <a:pPr lvl="1">
+              <a:lnSpc>
+                <a:spcPct val="120000"/>
+              </a:lnSpc>
+            </a:pPr>
+            <a:r>
+              <a:rPr lang="en-US" b="1" dirty="0">
+                <a:latin typeface="Slalom Sans Thin" panose="00000200000000000000" pitchFamily="50" charset="0"/>
+                <a:ea typeface="Slalom Sans Thin" panose="00000200000000000000" pitchFamily="50" charset="0"/>
+              </a:rPr>
+              <a:t>Separation of concerns</a:t>
+            </a:r>
+          </a:p>
+          <a:p>
+            <a:pPr lvl="1">
+              <a:lnSpc>
+                <a:spcPct val="120000"/>
+              </a:lnSpc>
+            </a:pPr>
+            <a:r>
+              <a:rPr lang="en-US" b="1" dirty="0">
+                <a:latin typeface="Slalom Sans Thin" panose="00000200000000000000" pitchFamily="50" charset="0"/>
+                <a:ea typeface="Slalom Sans Thin" panose="00000200000000000000" pitchFamily="50" charset="0"/>
+              </a:rPr>
+              <a:t>Composability</a:t>
+            </a:r>
+          </a:p>
+          <a:p>
+            <a:pPr lvl="1">
+              <a:lnSpc>
+                <a:spcPct val="120000"/>
+              </a:lnSpc>
+            </a:pPr>
+            <a:r>
+              <a:rPr lang="en-US" b="1" dirty="0">
+                <a:latin typeface="Slalom Sans Thin" panose="00000200000000000000" pitchFamily="50" charset="0"/>
+                <a:ea typeface="Slalom Sans Thin" panose="00000200000000000000" pitchFamily="50" charset="0"/>
+              </a:rPr>
+              <a:t>Reusability</a:t>
+            </a:r>
+          </a:p>
+          <a:p>
+            <a:pPr lvl="1">
+              <a:lnSpc>
+                <a:spcPct val="120000"/>
+              </a:lnSpc>
+            </a:pPr>
+            <a:r>
+              <a:rPr lang="en-US" b="1" dirty="0">
+                <a:latin typeface="Slalom Sans Thin" panose="00000200000000000000" pitchFamily="50" charset="0"/>
+                <a:ea typeface="Slalom Sans Thin" panose="00000200000000000000" pitchFamily="50" charset="0"/>
+              </a:rPr>
+              <a:t>Etc.</a:t>
+            </a:r>
+          </a:p>
+          <a:p>
+            <a:pPr>
+              <a:lnSpc>
+                <a:spcPct val="120000"/>
+              </a:lnSpc>
+            </a:pPr>
+            <a:r>
+              <a:rPr lang="en-US" b="1" dirty="0">
+                <a:latin typeface="Slalom Sans Thin" panose="00000200000000000000" pitchFamily="50" charset="0"/>
+                <a:ea typeface="Slalom Sans Thin" panose="00000200000000000000" pitchFamily="50" charset="0"/>
+              </a:rPr>
+              <a:t>All of the data pipelines and visualizations processes remain identical</a:t>
+            </a:r>
+          </a:p>
+          <a:p>
+            <a:pPr lvl="1">
+              <a:lnSpc>
+                <a:spcPct val="120000"/>
+              </a:lnSpc>
+            </a:pPr>
+            <a:r>
+              <a:rPr lang="en-US" b="1" dirty="0">
+                <a:latin typeface="Slalom Sans Thin" panose="00000200000000000000" pitchFamily="50" charset="0"/>
+                <a:ea typeface="Slalom Sans Thin" panose="00000200000000000000" pitchFamily="50" charset="0"/>
+              </a:rPr>
+              <a:t>ETL processes and ingestion</a:t>
+            </a:r>
+          </a:p>
+          <a:p>
+            <a:pPr lvl="1">
+              <a:lnSpc>
+                <a:spcPct val="120000"/>
+              </a:lnSpc>
+            </a:pPr>
+            <a:r>
+              <a:rPr lang="en-US" b="1" dirty="0">
+                <a:latin typeface="Slalom Sans Thin" panose="00000200000000000000" pitchFamily="50" charset="0"/>
+                <a:ea typeface="Slalom Sans Thin" panose="00000200000000000000" pitchFamily="50" charset="0"/>
+              </a:rPr>
+              <a:t>DAX/</a:t>
+            </a:r>
+            <a:r>
+              <a:rPr lang="en-US" b="1" dirty="0" err="1">
+                <a:latin typeface="Slalom Sans Thin" panose="00000200000000000000" pitchFamily="50" charset="0"/>
+                <a:ea typeface="Slalom Sans Thin" panose="00000200000000000000" pitchFamily="50" charset="0"/>
+              </a:rPr>
+              <a:t>PowerQuery</a:t>
+            </a:r>
+            <a:endParaRPr lang="en-US" b="1" dirty="0">
+              <a:latin typeface="Slalom Sans Thin" panose="00000200000000000000" pitchFamily="50" charset="0"/>
+              <a:ea typeface="Slalom Sans Thin" panose="00000200000000000000" pitchFamily="50" charset="0"/>
+            </a:endParaRPr>
+          </a:p>
+          <a:p>
+            <a:pPr lvl="2">
+              <a:lnSpc>
+                <a:spcPct val="120000"/>
+              </a:lnSpc>
+            </a:pPr>
+            <a:r>
+              <a:rPr lang="en-US" b="1" dirty="0">
+                <a:latin typeface="Slalom Sans Thin" panose="00000200000000000000" pitchFamily="50" charset="0"/>
+                <a:ea typeface="Slalom Sans Thin" panose="00000200000000000000" pitchFamily="50" charset="0"/>
+              </a:rPr>
+              <a:t>Measures, relationships, </a:t>
+            </a:r>
+            <a:r>
+              <a:rPr lang="en-US" b="1" dirty="0" err="1">
+                <a:latin typeface="Slalom Sans Thin" panose="00000200000000000000" pitchFamily="50" charset="0"/>
+                <a:ea typeface="Slalom Sans Thin" panose="00000200000000000000" pitchFamily="50" charset="0"/>
+              </a:rPr>
+              <a:t>Mquery</a:t>
+            </a:r>
+            <a:r>
+              <a:rPr lang="en-US" b="1" dirty="0">
+                <a:latin typeface="Slalom Sans Thin" panose="00000200000000000000" pitchFamily="50" charset="0"/>
+                <a:ea typeface="Slalom Sans Thin" panose="00000200000000000000" pitchFamily="50" charset="0"/>
+              </a:rPr>
+              <a:t>, etc.</a:t>
+            </a:r>
+          </a:p>
+          <a:p>
+            <a:pPr lvl="1">
+              <a:lnSpc>
+                <a:spcPct val="120000"/>
+              </a:lnSpc>
+            </a:pPr>
+            <a:r>
+              <a:rPr lang="en-US" b="1" dirty="0">
+                <a:latin typeface="Slalom Sans Thin" panose="00000200000000000000" pitchFamily="50" charset="0"/>
+                <a:ea typeface="Slalom Sans Thin" panose="00000200000000000000" pitchFamily="50" charset="0"/>
+              </a:rPr>
+              <a:t>Data visualizations</a:t>
+            </a:r>
+          </a:p>
+          <a:p>
+            <a:pPr lvl="1">
+              <a:lnSpc>
+                <a:spcPct val="120000"/>
+              </a:lnSpc>
+            </a:pPr>
+            <a:r>
+              <a:rPr lang="en-US" b="1" dirty="0">
+                <a:latin typeface="Slalom Sans Thin" panose="00000200000000000000" pitchFamily="50" charset="0"/>
+                <a:ea typeface="Slalom Sans Thin" panose="00000200000000000000" pitchFamily="50" charset="0"/>
+              </a:rPr>
+              <a:t>Etc.</a:t>
+            </a:r>
+          </a:p>
+          <a:p>
+            <a:pPr>
+              <a:lnSpc>
+                <a:spcPct val="120000"/>
+              </a:lnSpc>
+            </a:pPr>
+            <a:r>
+              <a:rPr lang="en-US" b="1" dirty="0">
+                <a:latin typeface="Slalom Sans Thin" panose="00000200000000000000" pitchFamily="50" charset="0"/>
+                <a:ea typeface="Slalom Sans Thin" panose="00000200000000000000" pitchFamily="50" charset="0"/>
+              </a:rPr>
+              <a:t>Salient Point:</a:t>
+            </a:r>
+          </a:p>
+          <a:p>
+            <a:pPr lvl="1">
+              <a:lnSpc>
+                <a:spcPct val="120000"/>
+              </a:lnSpc>
+            </a:pPr>
+            <a:r>
+              <a:rPr lang="en-US" b="1" dirty="0">
+                <a:latin typeface="Slalom Sans Thin" panose="00000200000000000000" pitchFamily="50" charset="0"/>
+                <a:ea typeface="Slalom Sans Thin" panose="00000200000000000000" pitchFamily="50" charset="0"/>
+              </a:rPr>
+              <a:t>You basically get the best of both worlds, without any meaningful tradeoffs</a:t>
+            </a:r>
+          </a:p>
+          <a:p>
+            <a:pPr lvl="2">
+              <a:lnSpc>
+                <a:spcPct val="120000"/>
+              </a:lnSpc>
+            </a:pPr>
+            <a:r>
+              <a:rPr lang="en-US" b="1" dirty="0">
+                <a:latin typeface="Slalom Sans Thin" panose="00000200000000000000" pitchFamily="50" charset="0"/>
+                <a:ea typeface="Slalom Sans Thin" panose="00000200000000000000" pitchFamily="50" charset="0"/>
+              </a:rPr>
+              <a:t>Software practices ensure production-grade code and reliability</a:t>
+            </a:r>
+          </a:p>
+          <a:p>
+            <a:pPr lvl="2">
+              <a:lnSpc>
+                <a:spcPct val="120000"/>
+              </a:lnSpc>
+            </a:pPr>
+            <a:r>
+              <a:rPr lang="en-US" b="1" dirty="0">
+                <a:latin typeface="Slalom Sans Thin" panose="00000200000000000000" pitchFamily="50" charset="0"/>
+                <a:ea typeface="Slalom Sans Thin" panose="00000200000000000000" pitchFamily="50" charset="0"/>
+              </a:rPr>
+              <a:t>Data practices ensure production-grade data pipelines and transformations</a:t>
+            </a:r>
+          </a:p>
+        </p:txBody>
+      </p:sp>
+    </p:spTree>
+    <p:extLst>
+      <p:ext uri="{BB962C8B-B14F-4D97-AF65-F5344CB8AC3E}">
+        <p14:creationId xmlns:p14="http://schemas.microsoft.com/office/powerpoint/2010/main" val="3306039657"/>
+      </p:ext>
+    </p:extLst>
+  </p:cSld>
+  <p:clrMapOvr>
+    <a:masterClrMapping/>
+  </p:clrMapOvr>
+</p:sld>
+</file>
+
+<file path=ppt/slides/slide7.xml><?xml version="1.0" encoding="utf-8"?>
+<p:sld xmlns:a="http://schemas.openxmlformats.org/drawingml/2006/main" xmlns:r="http://schemas.openxmlformats.org/officeDocument/2006/relationships" xmlns:p="http://schemas.openxmlformats.org/presentationml/2006/main">
+  <p:cSld>
+    <p:spTree>
+      <p:nvGrpSpPr>
+        <p:cNvPr id="1" name=""/>
+        <p:cNvGrpSpPr/>
+        <p:nvPr/>
+      </p:nvGrpSpPr>
+      <p:grpSpPr>
+        <a:xfrm>
+          <a:off x="0" y="0"/>
+          <a:ext cx="0" cy="0"/>
+          <a:chOff x="0" y="0"/>
+          <a:chExt cx="0" cy="0"/>
+        </a:xfrm>
+      </p:grpSpPr>
+      <p:sp>
+        <p:nvSpPr>
+          <p:cNvPr id="2" name="Title 1">
+            <a:extLst>
+              <a:ext uri="{FF2B5EF4-FFF2-40B4-BE49-F238E27FC236}">
                 <a16:creationId xmlns:a16="http://schemas.microsoft.com/office/drawing/2014/main" id="{A3BE206B-1AF9-9163-6138-ECFFF8873C96}"/>
               </a:ext>
             </a:extLst>
@@ -19786,7 +20744,7 @@
 </p:sld>
 </file>
 
-<file path=ppt/slides/slide7.xml><?xml version="1.0" encoding="utf-8"?>
+<file path=ppt/slides/slide8.xml><?xml version="1.0" encoding="utf-8"?>
 <p:sld xmlns:a="http://schemas.openxmlformats.org/drawingml/2006/main" xmlns:r="http://schemas.openxmlformats.org/officeDocument/2006/relationships" xmlns:p="http://schemas.openxmlformats.org/presentationml/2006/main">
   <p:cSld>
     <p:spTree>
@@ -20284,7 +21242,7 @@
 </p:sld>
 </file>
 
-<file path=ppt/slides/slide8.xml><?xml version="1.0" encoding="utf-8"?>
+<file path=ppt/slides/slide9.xml><?xml version="1.0" encoding="utf-8"?>
 <p:sld xmlns:a="http://schemas.openxmlformats.org/drawingml/2006/main" xmlns:r="http://schemas.openxmlformats.org/officeDocument/2006/relationships" xmlns:p="http://schemas.openxmlformats.org/presentationml/2006/main">
   <p:cSld>
     <p:spTree>
@@ -20616,13 +21574,7 @@
               <a:rPr lang="en-US" sz="1400" dirty="0">
                 <a:hlinkClick r:id="rId3"/>
               </a:rPr>
-              <a:t>S</a:t>
-            </a:r>
-            <a:r>
-              <a:rPr lang="en-US" sz="1400" dirty="0">
-                <a:hlinkClick r:id="rId3"/>
-              </a:rPr>
-              <a:t>torybook</a:t>
+              <a:t>Storybook</a:t>
             </a:r>
             <a:endParaRPr lang="en-US" sz="1400" dirty="0"/>
           </a:p>

--- a/docs/Power BI & React.pptx
+++ b/docs/Power BI & React.pptx
@@ -137,7 +137,7 @@
   <pc:docChgLst>
     <pc:chgData name="Matt Nawrocki" userId="392c0c8a-4f6a-48e1-9e75-90752b97264c" providerId="ADAL" clId="{BF16961A-92D4-4DBA-A500-655616D3AED8}"/>
     <pc:docChg chg="undo redo custSel addSld delSld modSld sldOrd addMainMaster modMainMaster">
-      <pc:chgData name="Matt Nawrocki" userId="392c0c8a-4f6a-48e1-9e75-90752b97264c" providerId="ADAL" clId="{BF16961A-92D4-4DBA-A500-655616D3AED8}" dt="2022-08-25T12:47:46.171" v="5628" actId="21"/>
+      <pc:chgData name="Matt Nawrocki" userId="392c0c8a-4f6a-48e1-9e75-90752b97264c" providerId="ADAL" clId="{BF16961A-92D4-4DBA-A500-655616D3AED8}" dt="2022-08-25T15:57:24.347" v="6226" actId="20577"/>
       <pc:docMkLst>
         <pc:docMk/>
       </pc:docMkLst>
@@ -218,7 +218,7 @@
         </pc:sldMkLst>
       </pc:sldChg>
       <pc:sldChg chg="addSp modSp add mod ord">
-        <pc:chgData name="Matt Nawrocki" userId="392c0c8a-4f6a-48e1-9e75-90752b97264c" providerId="ADAL" clId="{BF16961A-92D4-4DBA-A500-655616D3AED8}" dt="2022-08-25T12:39:20.521" v="5503" actId="255"/>
+        <pc:chgData name="Matt Nawrocki" userId="392c0c8a-4f6a-48e1-9e75-90752b97264c" providerId="ADAL" clId="{BF16961A-92D4-4DBA-A500-655616D3AED8}" dt="2022-08-25T15:57:24.347" v="6226" actId="20577"/>
         <pc:sldMkLst>
           <pc:docMk/>
           <pc:sldMk cId="939552486" sldId="259"/>
@@ -232,7 +232,7 @@
           </ac:spMkLst>
         </pc:spChg>
         <pc:spChg chg="mod">
-          <ac:chgData name="Matt Nawrocki" userId="392c0c8a-4f6a-48e1-9e75-90752b97264c" providerId="ADAL" clId="{BF16961A-92D4-4DBA-A500-655616D3AED8}" dt="2022-08-25T12:39:20.521" v="5503" actId="255"/>
+          <ac:chgData name="Matt Nawrocki" userId="392c0c8a-4f6a-48e1-9e75-90752b97264c" providerId="ADAL" clId="{BF16961A-92D4-4DBA-A500-655616D3AED8}" dt="2022-08-25T15:57:24.347" v="6226" actId="20577"/>
           <ac:spMkLst>
             <pc:docMk/>
             <pc:sldMk cId="939552486" sldId="259"/>
@@ -248,7 +248,7 @@
           </ac:spMkLst>
         </pc:spChg>
         <pc:picChg chg="add mod">
-          <ac:chgData name="Matt Nawrocki" userId="392c0c8a-4f6a-48e1-9e75-90752b97264c" providerId="ADAL" clId="{BF16961A-92D4-4DBA-A500-655616D3AED8}" dt="2022-08-25T12:26:37.982" v="4468" actId="1076"/>
+          <ac:chgData name="Matt Nawrocki" userId="392c0c8a-4f6a-48e1-9e75-90752b97264c" providerId="ADAL" clId="{BF16961A-92D4-4DBA-A500-655616D3AED8}" dt="2022-08-25T15:55:12.415" v="6090" actId="1076"/>
           <ac:picMkLst>
             <pc:docMk/>
             <pc:sldMk cId="939552486" sldId="259"/>
@@ -467,7 +467,7 @@
         </pc:picChg>
       </pc:sldChg>
       <pc:sldChg chg="addSp modSp add mod">
-        <pc:chgData name="Matt Nawrocki" userId="392c0c8a-4f6a-48e1-9e75-90752b97264c" providerId="ADAL" clId="{BF16961A-92D4-4DBA-A500-655616D3AED8}" dt="2022-08-25T12:41:22.867" v="5556" actId="404"/>
+        <pc:chgData name="Matt Nawrocki" userId="392c0c8a-4f6a-48e1-9e75-90752b97264c" providerId="ADAL" clId="{BF16961A-92D4-4DBA-A500-655616D3AED8}" dt="2022-08-25T15:54:14.419" v="6088" actId="27636"/>
         <pc:sldMkLst>
           <pc:docMk/>
           <pc:sldMk cId="235753825" sldId="265"/>
@@ -481,7 +481,7 @@
           </ac:spMkLst>
         </pc:spChg>
         <pc:spChg chg="mod">
-          <ac:chgData name="Matt Nawrocki" userId="392c0c8a-4f6a-48e1-9e75-90752b97264c" providerId="ADAL" clId="{BF16961A-92D4-4DBA-A500-655616D3AED8}" dt="2022-08-25T12:40:29.596" v="5512" actId="20577"/>
+          <ac:chgData name="Matt Nawrocki" userId="392c0c8a-4f6a-48e1-9e75-90752b97264c" providerId="ADAL" clId="{BF16961A-92D4-4DBA-A500-655616D3AED8}" dt="2022-08-25T15:54:14.419" v="6088" actId="27636"/>
           <ac:spMkLst>
             <pc:docMk/>
             <pc:sldMk cId="235753825" sldId="265"/>
@@ -19384,7 +19384,7 @@
                 <a:latin typeface="Slalom Sans Thin" panose="00000200000000000000" pitchFamily="50" charset="0"/>
                 <a:ea typeface="Slalom Sans Thin" panose="00000200000000000000" pitchFamily="50" charset="0"/>
               </a:rPr>
-              <a:t>React ”virtualizes” (think side-chain) the DOM (think tree structures) and intelligently decides how to act</a:t>
+              <a:t>React improves upon the old DOM method and intelligently decides how to act</a:t>
             </a:r>
           </a:p>
           <a:p>
@@ -19440,7 +19440,7 @@
                 <a:latin typeface="Slalom Sans Thin" panose="00000200000000000000" pitchFamily="50" charset="0"/>
                 <a:ea typeface="Slalom Sans Thin" panose="00000200000000000000" pitchFamily="50" charset="0"/>
               </a:rPr>
-              <a:t>The general idea is that there are these things called “</a:t>
+              <a:t>Check out “</a:t>
             </a:r>
             <a:r>
               <a:rPr lang="en-US" sz="1100" b="1" dirty="0">
@@ -19455,7 +19455,7 @@
                 <a:latin typeface="Slalom Sans Thin" panose="00000200000000000000" pitchFamily="50" charset="0"/>
                 <a:ea typeface="Slalom Sans Thin" panose="00000200000000000000" pitchFamily="50" charset="0"/>
               </a:rPr>
-              <a:t>” that prevent “side effects”</a:t>
+              <a:t>”</a:t>
             </a:r>
           </a:p>
           <a:p>
@@ -19483,7 +19483,7 @@
                 <a:latin typeface="Slalom Sans Thin" panose="00000200000000000000" pitchFamily="50" charset="0"/>
                 <a:ea typeface="Slalom Sans Thin" panose="00000200000000000000" pitchFamily="50" charset="0"/>
               </a:rPr>
-              <a:t>Build it once and use it a bunch of times without modification</a:t>
+              <a:t>Build it once and use it a bunch of times </a:t>
             </a:r>
           </a:p>
           <a:p>
@@ -19795,21 +19795,7 @@
                 <a:latin typeface="Slalom Sans Thin" panose="00000200000000000000" pitchFamily="50" charset="0"/>
                 <a:ea typeface="Slalom Sans Thin" panose="00000200000000000000" pitchFamily="50" charset="0"/>
               </a:rPr>
-              <a:t>Bar charts, line, pie, table, etc.</a:t>
-            </a:r>
-          </a:p>
-          <a:p>
-            <a:pPr>
-              <a:lnSpc>
-                <a:spcPct val="120000"/>
-              </a:lnSpc>
-            </a:pPr>
-            <a:r>
-              <a:rPr lang="en-US" b="1" dirty="0">
-                <a:latin typeface="Slalom Sans Thin" panose="00000200000000000000" pitchFamily="50" charset="0"/>
-                <a:ea typeface="Slalom Sans Thin" panose="00000200000000000000" pitchFamily="50" charset="0"/>
-              </a:rPr>
-              <a:t>Microsoft is likely to continue to be a dominant player in data and visualization</a:t>
+              <a:t>Bar charts, line, pie, table, etc. Microsoft is likely to continue to be a dominant player in data and visualization</a:t>
             </a:r>
           </a:p>
           <a:p>
